--- a/Week 03 - HTML.pptx
+++ b/Week 03 - HTML.pptx
@@ -521,7 +521,7 @@
           <a:p>
             <a:fld id="{9AB3A824-1A51-4B26-AD58-A6D8E14F6C04}" type="datetimeFigureOut">
               <a:rPr lang="en-US" smtClean="0"/>
-              <a:t>2/9/22</a:t>
+              <a:t>7/30/22</a:t>
             </a:fld>
             <a:endParaRPr lang="en-US" dirty="0"/>
           </a:p>
@@ -861,7 +861,7 @@
           <a:p>
             <a:fld id="{D857E33E-8B18-4087-B112-809917729534}" type="datetimeFigureOut">
               <a:rPr lang="en-US" smtClean="0"/>
-              <a:t>2/9/22</a:t>
+              <a:t>7/30/22</a:t>
             </a:fld>
             <a:endParaRPr lang="en-US" dirty="0"/>
           </a:p>
@@ -1169,7 +1169,7 @@
           <a:p>
             <a:fld id="{D3FFE419-2371-464F-8239-3959401C3561}" type="datetimeFigureOut">
               <a:rPr lang="en-US" smtClean="0"/>
-              <a:t>2/9/22</a:t>
+              <a:t>7/30/22</a:t>
             </a:fld>
             <a:endParaRPr lang="en-US" dirty="0"/>
           </a:p>
@@ -1422,7 +1422,7 @@
           <a:p>
             <a:fld id="{97D162C4-EDD9-4389-A98B-B87ECEA2A816}" type="datetimeFigureOut">
               <a:rPr lang="en-US" smtClean="0"/>
-              <a:t>2/9/22</a:t>
+              <a:t>7/30/22</a:t>
             </a:fld>
             <a:endParaRPr lang="en-US" dirty="0"/>
           </a:p>
@@ -1835,7 +1835,7 @@
           <a:p>
             <a:fld id="{3E5059C3-6A89-4494-99FF-5A4D6FFD50EB}" type="datetimeFigureOut">
               <a:rPr lang="en-US" smtClean="0"/>
-              <a:t>2/9/22</a:t>
+              <a:t>7/30/22</a:t>
             </a:fld>
             <a:endParaRPr lang="en-US" dirty="0"/>
           </a:p>
@@ -2155,7 +2155,7 @@
           <a:p>
             <a:fld id="{CA954B2F-12DE-47F5-8894-472B206D2E1E}" type="datetimeFigureOut">
               <a:rPr lang="en-US" smtClean="0"/>
-              <a:t>2/9/22</a:t>
+              <a:t>7/30/22</a:t>
             </a:fld>
             <a:endParaRPr lang="en-US" dirty="0"/>
           </a:p>
@@ -2705,7 +2705,7 @@
           <a:p>
             <a:fld id="{3F30E46F-7819-4ACF-B48B-48222C2ACC88}" type="datetimeFigureOut">
               <a:rPr lang="en-US" smtClean="0"/>
-              <a:t>2/9/22</a:t>
+              <a:t>7/30/22</a:t>
             </a:fld>
             <a:endParaRPr lang="en-US" dirty="0"/>
           </a:p>
@@ -2906,7 +2906,7 @@
           <a:p>
             <a:fld id="{1FAF3416-4057-4DAA-829D-4CA07428D088}" type="datetimeFigureOut">
               <a:rPr lang="en-US" smtClean="0"/>
-              <a:t>2/9/22</a:t>
+              <a:t>7/30/22</a:t>
             </a:fld>
             <a:endParaRPr lang="en-US" dirty="0"/>
           </a:p>
@@ -3125,7 +3125,7 @@
           <a:p>
             <a:fld id="{921D9284-D300-4297-87F7-E791DCC15DB1}" type="datetimeFigureOut">
               <a:rPr lang="en-US" smtClean="0"/>
-              <a:t>2/9/22</a:t>
+              <a:t>7/30/22</a:t>
             </a:fld>
             <a:endParaRPr lang="en-US" dirty="0"/>
           </a:p>
@@ -3500,7 +3500,7 @@
           <a:p>
             <a:fld id="{37D525BB-DA17-4BA0-B3C8-3AC3ABC827E6}" type="datetimeFigureOut">
               <a:rPr lang="en-US" smtClean="0"/>
-              <a:t>2/9/22</a:t>
+              <a:t>7/30/22</a:t>
             </a:fld>
             <a:endParaRPr lang="en-US" dirty="0"/>
           </a:p>
@@ -3909,7 +3909,7 @@
           <a:p>
             <a:fld id="{B16C4C9A-3960-41CF-A4E9-2A8FB932454B}" type="datetimeFigureOut">
               <a:rPr lang="en-US" smtClean="0"/>
-              <a:t>2/9/22</a:t>
+              <a:t>7/30/22</a:t>
             </a:fld>
             <a:endParaRPr lang="en-US" dirty="0"/>
           </a:p>
@@ -4226,7 +4226,7 @@
           <a:p>
             <a:fld id="{3CBC1C18-307B-4F68-A007-B5B542270E8D}" type="datetimeFigureOut">
               <a:rPr lang="en-US" smtClean="0"/>
-              <a:t>2/9/22</a:t>
+              <a:t>7/30/22</a:t>
             </a:fld>
             <a:endParaRPr lang="en-US" dirty="0"/>
           </a:p>
@@ -4989,7 +4989,7 @@
               <a:rPr lang="en-US" dirty="0">
                 <a:latin typeface="Courier" pitchFamily="2" charset="0"/>
               </a:rPr>
-              <a:t> Lie on October 10, 1994. At the time, Lie was working with Tim Berners-Lee (father of Html) at CERN. The European Organization for Nuclear Research is known as CERN. </a:t>
+              <a:t> Lie on October 10, 1994. At the time, Lie was working with Tim Berners-Lee (father of HTML) at CERN. The European Organization for Nuclear Research is known as CERN. </a:t>
             </a:r>
             <a:r>
               <a:rPr lang="en-US" dirty="0" err="1">
@@ -5573,6 +5573,13 @@
               <a:rPr lang="en-US" dirty="0"/>
               <a:t>No closing tag</a:t>
             </a:r>
+            <a:br>
+              <a:rPr lang="en-US" dirty="0"/>
+            </a:br>
+            <a:r>
+              <a:rPr lang="en-US" dirty="0"/>
+              <a:t>no inner text</a:t>
+            </a:r>
           </a:p>
         </p:txBody>
       </p:sp>
@@ -7071,6 +7078,17 @@
           <a:lstStyle/>
           <a:p>
             <a:r>
+              <a:rPr lang="en-US"/>
+              <a:t>HTML </a:t>
+            </a:r>
+            <a:r>
+              <a:rPr lang="en-US" dirty="0"/>
+              <a:t>Examples</a:t>
+            </a:r>
+          </a:p>
+          <a:p>
+            <a:pPr lvl="1"/>
+            <a:r>
               <a:rPr lang="en-US" dirty="0">
                 <a:hlinkClick r:id="rId2"/>
               </a:rPr>
@@ -7079,6 +7097,7 @@
             <a:endParaRPr lang="en-US" dirty="0"/>
           </a:p>
           <a:p>
+            <a:pPr lvl="1"/>
             <a:r>
               <a:rPr lang="en-US" dirty="0">
                 <a:hlinkClick r:id="rId3"/>
@@ -7126,15 +7145,6 @@
             </a:r>
           </a:p>
           <a:p>
-            <a:pPr marL="6160" indent="0">
-              <a:buNone/>
-            </a:pPr>
-            <a:endParaRPr lang="en-US" dirty="0"/>
-          </a:p>
-          <a:p>
-            <a:pPr marL="457010" lvl="1" indent="0">
-              <a:buNone/>
-            </a:pPr>
             <a:r>
               <a:rPr lang="en-US" dirty="0"/>
               <a:t>Just for practice</a:t>
@@ -7234,7 +7244,7 @@
         <p:spPr/>
         <p:txBody>
           <a:bodyPr>
-            <a:normAutofit lnSpcReduction="10000"/>
+            <a:normAutofit/>
           </a:bodyPr>
           <a:lstStyle/>
           <a:p>
@@ -7258,7 +7268,17 @@
           <a:p>
             <a:r>
               <a:rPr lang="en-US" dirty="0"/>
-              <a:t>HTML consists of a series of elements</a:t>
+              <a:t>HTML consists of a series of </a:t>
+            </a:r>
+            <a:r>
+              <a:rPr lang="en-US" dirty="0">
+                <a:solidFill>
+                  <a:schemeClr val="accent2">
+                    <a:lumMod val="75000"/>
+                  </a:schemeClr>
+                </a:solidFill>
+              </a:rPr>
+              <a:t>elements</a:t>
             </a:r>
           </a:p>
           <a:p>
@@ -7272,8 +7292,6 @@
               <a:rPr lang="en-US" dirty="0"/>
               <a:t>HTML elements label pieces of content such as "this is a heading", "this is a paragraph", "this is a link", etc.</a:t>
             </a:r>
-          </a:p>
-          <a:p>
             <a:br>
               <a:rPr lang="en-US" dirty="0"/>
             </a:br>
@@ -7375,7 +7393,19 @@
           <a:p>
             <a:r>
               <a:rPr lang="en-US" dirty="0"/>
-              <a:t>The &lt;HTML&gt; &lt;/HTML&gt; tags ‘wrap around’ the whole document</a:t>
+              <a:t>The &lt;HTML&gt; &lt;</a:t>
+            </a:r>
+            <a:r>
+              <a:rPr lang="en-US" b="1" dirty="0">
+                <a:solidFill>
+                  <a:srgbClr val="FF0000"/>
+                </a:solidFill>
+              </a:rPr>
+              <a:t>/</a:t>
+            </a:r>
+            <a:r>
+              <a:rPr lang="en-US" dirty="0"/>
+              <a:t>HTML&gt; tags ‘wrap around’ the whole document</a:t>
             </a:r>
           </a:p>
           <a:p>
@@ -7394,15 +7424,16 @@
                   </a:schemeClr>
                 </a:solidFill>
               </a:rPr>
-              <a:t>&lt;head&gt; … &lt;/head&gt;</a:t>
-            </a:r>
-            <a:r>
-              <a:rPr lang="en-US" dirty="0"/>
-              <a:t>	contains information about the page</a:t>
-            </a:r>
-          </a:p>
-          <a:p>
-            <a:pPr lvl="1"/>
+              <a:t>&lt;head&gt; … &lt;</a:t>
+            </a:r>
+            <a:r>
+              <a:rPr lang="en-US" b="1" dirty="0">
+                <a:solidFill>
+                  <a:srgbClr val="FF0000"/>
+                </a:solidFill>
+              </a:rPr>
+              <a:t>/</a:t>
+            </a:r>
             <a:r>
               <a:rPr lang="en-US" b="1" dirty="0">
                 <a:solidFill>
@@ -7411,7 +7442,42 @@
                   </a:schemeClr>
                 </a:solidFill>
               </a:rPr>
-              <a:t>&lt;body&gt; … &lt;/body&gt;</a:t>
+              <a:t>head&gt;</a:t>
+            </a:r>
+            <a:r>
+              <a:rPr lang="en-US" dirty="0"/>
+              <a:t>	contains information about the page</a:t>
+            </a:r>
+          </a:p>
+          <a:p>
+            <a:pPr lvl="1"/>
+            <a:r>
+              <a:rPr lang="en-US" b="1" dirty="0">
+                <a:solidFill>
+                  <a:schemeClr val="tx2">
+                    <a:lumMod val="50000"/>
+                  </a:schemeClr>
+                </a:solidFill>
+              </a:rPr>
+              <a:t>&lt;body&gt; … &lt;</a:t>
+            </a:r>
+            <a:r>
+              <a:rPr lang="en-US" b="1" dirty="0">
+                <a:solidFill>
+                  <a:srgbClr val="FF0000"/>
+                </a:solidFill>
+              </a:rPr>
+              <a:t>/</a:t>
+            </a:r>
+            <a:r>
+              <a:rPr lang="en-US" b="1" dirty="0">
+                <a:solidFill>
+                  <a:schemeClr val="tx2">
+                    <a:lumMod val="50000"/>
+                  </a:schemeClr>
+                </a:solidFill>
+              </a:rPr>
+              <a:t>body&gt;</a:t>
             </a:r>
             <a:r>
               <a:rPr lang="en-US" dirty="0"/>
@@ -8189,7 +8255,15 @@
             <a:pPr lvl="1"/>
             <a:r>
               <a:rPr lang="en-US" dirty="0"/>
-              <a:t>And a closing tag		&lt;/</a:t>
+              <a:t>And a closing tag		&lt;</a:t>
+            </a:r>
+            <a:r>
+              <a:rPr lang="en-US" b="1" dirty="0">
+                <a:solidFill>
+                  <a:srgbClr val="FF0000"/>
+                </a:solidFill>
+              </a:rPr>
+              <a:t>/</a:t>
             </a:r>
             <a:r>
               <a:rPr lang="en-US" dirty="0" err="1"/>
@@ -8211,7 +8285,15 @@
             </a:r>
             <a:r>
               <a:rPr lang="en-US" dirty="0"/>
-              <a:t>&gt;Content goes here...&lt;/</a:t>
+              <a:t>&gt;Content goes here...&lt;</a:t>
+            </a:r>
+            <a:r>
+              <a:rPr lang="en-US" b="1" dirty="0">
+                <a:solidFill>
+                  <a:srgbClr val="FF0000"/>
+                </a:solidFill>
+              </a:rPr>
+              <a:t>/</a:t>
             </a:r>
             <a:r>
               <a:rPr lang="en-US" dirty="0" err="1"/>
@@ -8320,7 +8402,7 @@
           <a:p>
             <a:r>
               <a:rPr lang="en-US" dirty="0"/>
-              <a:t>H1 – H6		Header</a:t>
+              <a:t>H1 – H6		Header (1 is big text, 6 is smaller)</a:t>
             </a:r>
           </a:p>
           <a:p>
@@ -8400,8 +8482,8 @@
         </p:blipFill>
         <p:spPr bwMode="auto">
           <a:xfrm>
-            <a:off x="400050" y="359642"/>
-            <a:ext cx="3158490" cy="1974056"/>
+            <a:off x="0" y="0"/>
+            <a:ext cx="3596220" cy="2247637"/>
           </a:xfrm>
           <a:prstGeom prst="rect">
             <a:avLst/>
@@ -8684,7 +8766,7 @@
             <a:pPr lvl="1"/>
             <a:r>
               <a:rPr lang="en-US" dirty="0"/>
-              <a:t>The div will a line break before and after the element</a:t>
+              <a:t>The div will have a line break before and after the element</a:t>
             </a:r>
           </a:p>
           <a:p>

--- a/Week 03 - HTML.pptx
+++ b/Week 03 - HTML.pptx
@@ -14,16 +14,17 @@
     <p:sldId id="264" r:id="rId8"/>
     <p:sldId id="259" r:id="rId9"/>
     <p:sldId id="271" r:id="rId10"/>
-    <p:sldId id="273" r:id="rId11"/>
-    <p:sldId id="274" r:id="rId12"/>
-    <p:sldId id="279" r:id="rId13"/>
-    <p:sldId id="263" r:id="rId14"/>
-    <p:sldId id="272" r:id="rId15"/>
-    <p:sldId id="260" r:id="rId16"/>
-    <p:sldId id="280" r:id="rId17"/>
-    <p:sldId id="281" r:id="rId18"/>
-    <p:sldId id="261" r:id="rId19"/>
-    <p:sldId id="270" r:id="rId20"/>
+    <p:sldId id="283" r:id="rId11"/>
+    <p:sldId id="273" r:id="rId12"/>
+    <p:sldId id="274" r:id="rId13"/>
+    <p:sldId id="279" r:id="rId14"/>
+    <p:sldId id="263" r:id="rId15"/>
+    <p:sldId id="272" r:id="rId16"/>
+    <p:sldId id="260" r:id="rId17"/>
+    <p:sldId id="280" r:id="rId18"/>
+    <p:sldId id="281" r:id="rId19"/>
+    <p:sldId id="261" r:id="rId20"/>
+    <p:sldId id="270" r:id="rId21"/>
   </p:sldIdLst>
   <p:sldSz cx="12192000" cy="6858000"/>
   <p:notesSz cx="6858000" cy="9144000"/>
@@ -521,7 +522,7 @@
           <a:p>
             <a:fld id="{9AB3A824-1A51-4B26-AD58-A6D8E14F6C04}" type="datetimeFigureOut">
               <a:rPr lang="en-US" smtClean="0"/>
-              <a:t>7/30/22</a:t>
+              <a:t>8/26/22</a:t>
             </a:fld>
             <a:endParaRPr lang="en-US" dirty="0"/>
           </a:p>
@@ -861,7 +862,7 @@
           <a:p>
             <a:fld id="{D857E33E-8B18-4087-B112-809917729534}" type="datetimeFigureOut">
               <a:rPr lang="en-US" smtClean="0"/>
-              <a:t>7/30/22</a:t>
+              <a:t>8/26/22</a:t>
             </a:fld>
             <a:endParaRPr lang="en-US" dirty="0"/>
           </a:p>
@@ -1169,7 +1170,7 @@
           <a:p>
             <a:fld id="{D3FFE419-2371-464F-8239-3959401C3561}" type="datetimeFigureOut">
               <a:rPr lang="en-US" smtClean="0"/>
-              <a:t>7/30/22</a:t>
+              <a:t>8/26/22</a:t>
             </a:fld>
             <a:endParaRPr lang="en-US" dirty="0"/>
           </a:p>
@@ -1422,7 +1423,7 @@
           <a:p>
             <a:fld id="{97D162C4-EDD9-4389-A98B-B87ECEA2A816}" type="datetimeFigureOut">
               <a:rPr lang="en-US" smtClean="0"/>
-              <a:t>7/30/22</a:t>
+              <a:t>8/26/22</a:t>
             </a:fld>
             <a:endParaRPr lang="en-US" dirty="0"/>
           </a:p>
@@ -1835,7 +1836,7 @@
           <a:p>
             <a:fld id="{3E5059C3-6A89-4494-99FF-5A4D6FFD50EB}" type="datetimeFigureOut">
               <a:rPr lang="en-US" smtClean="0"/>
-              <a:t>7/30/22</a:t>
+              <a:t>8/26/22</a:t>
             </a:fld>
             <a:endParaRPr lang="en-US" dirty="0"/>
           </a:p>
@@ -2155,7 +2156,7 @@
           <a:p>
             <a:fld id="{CA954B2F-12DE-47F5-8894-472B206D2E1E}" type="datetimeFigureOut">
               <a:rPr lang="en-US" smtClean="0"/>
-              <a:t>7/30/22</a:t>
+              <a:t>8/26/22</a:t>
             </a:fld>
             <a:endParaRPr lang="en-US" dirty="0"/>
           </a:p>
@@ -2705,7 +2706,7 @@
           <a:p>
             <a:fld id="{3F30E46F-7819-4ACF-B48B-48222C2ACC88}" type="datetimeFigureOut">
               <a:rPr lang="en-US" smtClean="0"/>
-              <a:t>7/30/22</a:t>
+              <a:t>8/26/22</a:t>
             </a:fld>
             <a:endParaRPr lang="en-US" dirty="0"/>
           </a:p>
@@ -2906,7 +2907,7 @@
           <a:p>
             <a:fld id="{1FAF3416-4057-4DAA-829D-4CA07428D088}" type="datetimeFigureOut">
               <a:rPr lang="en-US" smtClean="0"/>
-              <a:t>7/30/22</a:t>
+              <a:t>8/26/22</a:t>
             </a:fld>
             <a:endParaRPr lang="en-US" dirty="0"/>
           </a:p>
@@ -3125,7 +3126,7 @@
           <a:p>
             <a:fld id="{921D9284-D300-4297-87F7-E791DCC15DB1}" type="datetimeFigureOut">
               <a:rPr lang="en-US" smtClean="0"/>
-              <a:t>7/30/22</a:t>
+              <a:t>8/26/22</a:t>
             </a:fld>
             <a:endParaRPr lang="en-US" dirty="0"/>
           </a:p>
@@ -3500,7 +3501,7 @@
           <a:p>
             <a:fld id="{37D525BB-DA17-4BA0-B3C8-3AC3ABC827E6}" type="datetimeFigureOut">
               <a:rPr lang="en-US" smtClean="0"/>
-              <a:t>7/30/22</a:t>
+              <a:t>8/26/22</a:t>
             </a:fld>
             <a:endParaRPr lang="en-US" dirty="0"/>
           </a:p>
@@ -3909,7 +3910,7 @@
           <a:p>
             <a:fld id="{B16C4C9A-3960-41CF-A4E9-2A8FB932454B}" type="datetimeFigureOut">
               <a:rPr lang="en-US" smtClean="0"/>
-              <a:t>7/30/22</a:t>
+              <a:t>8/26/22</a:t>
             </a:fld>
             <a:endParaRPr lang="en-US" dirty="0"/>
           </a:p>
@@ -4226,7 +4227,7 @@
           <a:p>
             <a:fld id="{3CBC1C18-307B-4F68-A007-B5B542270E8D}" type="datetimeFigureOut">
               <a:rPr lang="en-US" smtClean="0"/>
-              <a:t>7/30/22</a:t>
+              <a:t>8/26/22</a:t>
             </a:fld>
             <a:endParaRPr lang="en-US" dirty="0"/>
           </a:p>
@@ -4872,6 +4873,141 @@
           <p:cNvPr id="2" name="Title 1">
             <a:extLst>
               <a:ext uri="{FF2B5EF4-FFF2-40B4-BE49-F238E27FC236}">
+                <a16:creationId xmlns:a16="http://schemas.microsoft.com/office/drawing/2014/main" id="{996FEAC0-C7F2-C743-A52B-D03A5AA7CE25}"/>
+              </a:ext>
+            </a:extLst>
+          </p:cNvPr>
+          <p:cNvSpPr>
+            <a:spLocks noGrp="1"/>
+          </p:cNvSpPr>
+          <p:nvPr>
+            <p:ph type="title"/>
+          </p:nvPr>
+        </p:nvSpPr>
+        <p:spPr/>
+        <p:txBody>
+          <a:bodyPr>
+            <a:normAutofit/>
+          </a:bodyPr>
+          <a:lstStyle/>
+          <a:p>
+            <a:r>
+              <a:rPr lang="en-US" dirty="0"/>
+              <a:t>Grouping Elements</a:t>
+            </a:r>
+            <a:br>
+              <a:rPr lang="en-US" dirty="0"/>
+            </a:br>
+            <a:r>
+              <a:rPr lang="en-US" sz="2000" dirty="0"/>
+              <a:t>without styling they do nothing</a:t>
+            </a:r>
+            <a:endParaRPr lang="en-US" sz="3200" dirty="0"/>
+          </a:p>
+        </p:txBody>
+      </p:sp>
+      <p:sp>
+        <p:nvSpPr>
+          <p:cNvPr id="3" name="Content Placeholder 2">
+            <a:extLst>
+              <a:ext uri="{FF2B5EF4-FFF2-40B4-BE49-F238E27FC236}">
+                <a16:creationId xmlns:a16="http://schemas.microsoft.com/office/drawing/2014/main" id="{AE5E8109-D3E4-8D49-85F4-2F5E4407AAFA}"/>
+              </a:ext>
+            </a:extLst>
+          </p:cNvPr>
+          <p:cNvSpPr>
+            <a:spLocks noGrp="1"/>
+          </p:cNvSpPr>
+          <p:nvPr>
+            <p:ph idx="1"/>
+          </p:nvPr>
+        </p:nvSpPr>
+        <p:spPr/>
+        <p:txBody>
+          <a:bodyPr>
+            <a:normAutofit/>
+          </a:bodyPr>
+          <a:lstStyle/>
+          <a:p>
+            <a:r>
+              <a:rPr lang="en-US" b="1" dirty="0">
+                <a:solidFill>
+                  <a:schemeClr val="tx2">
+                    <a:lumMod val="75000"/>
+                  </a:schemeClr>
+                </a:solidFill>
+              </a:rPr>
+              <a:t>&lt;aside&gt;	just like the other guys	&lt;/aside&gt;</a:t>
+            </a:r>
+          </a:p>
+          <a:p>
+            <a:pPr lvl="1"/>
+            <a:r>
+              <a:rPr lang="en-US" dirty="0"/>
+              <a:t>Defines content aside from the content it is placed in.</a:t>
+            </a:r>
+          </a:p>
+          <a:p>
+            <a:pPr lvl="1"/>
+            <a:r>
+              <a:rPr lang="en-US" dirty="0"/>
+              <a:t>Should be indirectly related to the surrounding content.</a:t>
+            </a:r>
+          </a:p>
+          <a:p>
+            <a:pPr lvl="1"/>
+            <a:r>
+              <a:rPr lang="en-US" dirty="0"/>
+              <a:t>The &lt;aside&gt; content is often placed as a sidebar in a document.</a:t>
+            </a:r>
+          </a:p>
+          <a:p>
+            <a:pPr lvl="1"/>
+            <a:r>
+              <a:rPr lang="en-US" dirty="0"/>
+              <a:t>Does not render as anything special in a browser. Use CSS for styling</a:t>
+            </a:r>
+          </a:p>
+          <a:p>
+            <a:endParaRPr lang="en-US" dirty="0"/>
+          </a:p>
+        </p:txBody>
+      </p:sp>
+    </p:spTree>
+    <p:extLst>
+      <p:ext uri="{BB962C8B-B14F-4D97-AF65-F5344CB8AC3E}">
+        <p14:creationId xmlns:p14="http://schemas.microsoft.com/office/powerpoint/2010/main" val="4252904477"/>
+      </p:ext>
+    </p:extLst>
+  </p:cSld>
+  <p:clrMapOvr>
+    <a:masterClrMapping/>
+  </p:clrMapOvr>
+</p:sld>
+</file>
+
+<file path=ppt/slides/slide11.xml><?xml version="1.0" encoding="utf-8"?>
+<p:sld xmlns:a="http://schemas.openxmlformats.org/drawingml/2006/main" xmlns:r="http://schemas.openxmlformats.org/officeDocument/2006/relationships" xmlns:p="http://schemas.openxmlformats.org/presentationml/2006/main">
+  <p:cSld>
+    <p:spTree>
+      <p:nvGrpSpPr>
+        <p:cNvPr id="1" name=""/>
+        <p:cNvGrpSpPr/>
+        <p:nvPr/>
+      </p:nvGrpSpPr>
+      <p:grpSpPr>
+        <a:xfrm>
+          <a:off x="0" y="0"/>
+          <a:ext cx="0" cy="0"/>
+          <a:chOff x="0" y="0"/>
+          <a:chExt cx="0" cy="0"/>
+        </a:xfrm>
+      </p:grpSpPr>
+      <p:sp>
+        <p:nvSpPr>
+          <p:cNvPr id="2" name="Title 1">
+            <a:extLst>
+              <a:ext uri="{FF2B5EF4-FFF2-40B4-BE49-F238E27FC236}">
                 <a16:creationId xmlns:a16="http://schemas.microsoft.com/office/drawing/2014/main" id="{328BEF6B-37A7-9144-9A57-65AC07590BDF}"/>
               </a:ext>
             </a:extLst>
@@ -5125,7 +5261,7 @@
 </p:sld>
 </file>
 
-<file path=ppt/slides/slide11.xml><?xml version="1.0" encoding="utf-8"?>
+<file path=ppt/slides/slide12.xml><?xml version="1.0" encoding="utf-8"?>
 <p:sld xmlns:a="http://schemas.openxmlformats.org/drawingml/2006/main" xmlns:r="http://schemas.openxmlformats.org/officeDocument/2006/relationships" xmlns:p="http://schemas.openxmlformats.org/presentationml/2006/main">
   <p:cSld>
     <p:spTree>
@@ -5426,7 +5562,7 @@
 </p:sld>
 </file>
 
-<file path=ppt/slides/slide12.xml><?xml version="1.0" encoding="utf-8"?>
+<file path=ppt/slides/slide13.xml><?xml version="1.0" encoding="utf-8"?>
 <p:sld xmlns:a="http://schemas.openxmlformats.org/drawingml/2006/main" xmlns:r="http://schemas.openxmlformats.org/officeDocument/2006/relationships" xmlns:p="http://schemas.openxmlformats.org/presentationml/2006/main">
   <p:cSld>
     <p:spTree>
@@ -5531,154 +5667,6 @@
 </p:sld>
 </file>
 
-<file path=ppt/slides/slide13.xml><?xml version="1.0" encoding="utf-8"?>
-<p:sld xmlns:a="http://schemas.openxmlformats.org/drawingml/2006/main" xmlns:r="http://schemas.openxmlformats.org/officeDocument/2006/relationships" xmlns:p="http://schemas.openxmlformats.org/presentationml/2006/main">
-  <p:cSld>
-    <p:spTree>
-      <p:nvGrpSpPr>
-        <p:cNvPr id="1" name=""/>
-        <p:cNvGrpSpPr/>
-        <p:nvPr/>
-      </p:nvGrpSpPr>
-      <p:grpSpPr>
-        <a:xfrm>
-          <a:off x="0" y="0"/>
-          <a:ext cx="0" cy="0"/>
-          <a:chOff x="0" y="0"/>
-          <a:chExt cx="0" cy="0"/>
-        </a:xfrm>
-      </p:grpSpPr>
-      <p:sp>
-        <p:nvSpPr>
-          <p:cNvPr id="2" name="Title 1">
-            <a:extLst>
-              <a:ext uri="{FF2B5EF4-FFF2-40B4-BE49-F238E27FC236}">
-                <a16:creationId xmlns:a16="http://schemas.microsoft.com/office/drawing/2014/main" id="{57CD169E-1977-D44E-AF5A-C0FFD06863C3}"/>
-              </a:ext>
-            </a:extLst>
-          </p:cNvPr>
-          <p:cNvSpPr>
-            <a:spLocks noGrp="1"/>
-          </p:cNvSpPr>
-          <p:nvPr>
-            <p:ph type="title"/>
-          </p:nvPr>
-        </p:nvSpPr>
-        <p:spPr/>
-        <p:txBody>
-          <a:bodyPr/>
-          <a:lstStyle/>
-          <a:p>
-            <a:r>
-              <a:rPr lang="en-US" dirty="0"/>
-              <a:t>No closing tag</a:t>
-            </a:r>
-            <a:br>
-              <a:rPr lang="en-US" dirty="0"/>
-            </a:br>
-            <a:r>
-              <a:rPr lang="en-US" dirty="0"/>
-              <a:t>no inner text</a:t>
-            </a:r>
-          </a:p>
-        </p:txBody>
-      </p:sp>
-      <p:sp>
-        <p:nvSpPr>
-          <p:cNvPr id="3" name="Content Placeholder 2">
-            <a:extLst>
-              <a:ext uri="{FF2B5EF4-FFF2-40B4-BE49-F238E27FC236}">
-                <a16:creationId xmlns:a16="http://schemas.microsoft.com/office/drawing/2014/main" id="{331402BC-0072-B446-BF78-96BCE1CC3079}"/>
-              </a:ext>
-            </a:extLst>
-          </p:cNvPr>
-          <p:cNvSpPr>
-            <a:spLocks noGrp="1"/>
-          </p:cNvSpPr>
-          <p:nvPr>
-            <p:ph idx="1"/>
-          </p:nvPr>
-        </p:nvSpPr>
-        <p:spPr/>
-        <p:txBody>
-          <a:bodyPr>
-            <a:normAutofit/>
-          </a:bodyPr>
-          <a:lstStyle/>
-          <a:p>
-            <a:r>
-              <a:rPr lang="en-US" sz="2400" dirty="0"/>
-              <a:t>&lt;</a:t>
-            </a:r>
-            <a:r>
-              <a:rPr lang="en-US" sz="2400" dirty="0" err="1"/>
-              <a:t>br</a:t>
-            </a:r>
-            <a:r>
-              <a:rPr lang="en-US" sz="2400" dirty="0"/>
-              <a:t>&gt;			//	adds a new line</a:t>
-            </a:r>
-          </a:p>
-          <a:p>
-            <a:r>
-              <a:rPr lang="en-US" sz="2400" dirty="0"/>
-              <a:t>&lt;</a:t>
-            </a:r>
-            <a:r>
-              <a:rPr lang="en-US" sz="2400" dirty="0" err="1"/>
-              <a:t>hr</a:t>
-            </a:r>
-            <a:r>
-              <a:rPr lang="en-US" sz="2400" dirty="0"/>
-              <a:t>&gt;			//	horizontal line</a:t>
-            </a:r>
-          </a:p>
-          <a:p>
-            <a:r>
-              <a:rPr lang="en-US" sz="2400" dirty="0"/>
-              <a:t>&lt;</a:t>
-            </a:r>
-            <a:r>
-              <a:rPr lang="en-US" sz="2400" dirty="0" err="1"/>
-              <a:t>img</a:t>
-            </a:r>
-            <a:r>
-              <a:rPr lang="en-US" sz="2400" dirty="0"/>
-              <a:t> </a:t>
-            </a:r>
-            <a:r>
-              <a:rPr lang="en-US" sz="2400" dirty="0" err="1"/>
-              <a:t>src</a:t>
-            </a:r>
-            <a:r>
-              <a:rPr lang="en-US" sz="2400" dirty="0"/>
-              <a:t>=“…..”&gt;		//	image</a:t>
-            </a:r>
-          </a:p>
-          <a:p>
-            <a:r>
-              <a:rPr lang="en-US" sz="2400" dirty="0"/>
-              <a:t>&lt;input type=“text”&gt;	//	input field</a:t>
-            </a:r>
-          </a:p>
-          <a:p>
-            <a:endParaRPr lang="en-US" sz="2400" dirty="0"/>
-          </a:p>
-        </p:txBody>
-      </p:sp>
-    </p:spTree>
-    <p:extLst>
-      <p:ext uri="{BB962C8B-B14F-4D97-AF65-F5344CB8AC3E}">
-        <p14:creationId xmlns:p14="http://schemas.microsoft.com/office/powerpoint/2010/main" val="3289139823"/>
-      </p:ext>
-    </p:extLst>
-  </p:cSld>
-  <p:clrMapOvr>
-    <a:masterClrMapping/>
-  </p:clrMapOvr>
-</p:sld>
-</file>
-
 <file path=ppt/slides/slide14.xml><?xml version="1.0" encoding="utf-8"?>
 <p:sld xmlns:a="http://schemas.openxmlformats.org/drawingml/2006/main" xmlns:r="http://schemas.openxmlformats.org/officeDocument/2006/relationships" xmlns:p="http://schemas.openxmlformats.org/presentationml/2006/main">
   <p:cSld>
@@ -5701,7 +5689,7 @@
           <p:cNvPr id="2" name="Title 1">
             <a:extLst>
               <a:ext uri="{FF2B5EF4-FFF2-40B4-BE49-F238E27FC236}">
-                <a16:creationId xmlns:a16="http://schemas.microsoft.com/office/drawing/2014/main" id="{C533F2D1-3C5E-C94C-8C01-8C593A34F60A}"/>
+                <a16:creationId xmlns:a16="http://schemas.microsoft.com/office/drawing/2014/main" id="{57CD169E-1977-D44E-AF5A-C0FFD06863C3}"/>
               </a:ext>
             </a:extLst>
           </p:cNvPr>
@@ -5719,7 +5707,14 @@
           <a:p>
             <a:r>
               <a:rPr lang="en-US" dirty="0"/>
-              <a:t>Attributes</a:t>
+              <a:t>No closing tag</a:t>
+            </a:r>
+            <a:br>
+              <a:rPr lang="en-US" dirty="0"/>
+            </a:br>
+            <a:r>
+              <a:rPr lang="en-US" dirty="0"/>
+              <a:t>no inner text</a:t>
             </a:r>
           </a:p>
         </p:txBody>
@@ -5729,7 +5724,7 @@
           <p:cNvPr id="3" name="Content Placeholder 2">
             <a:extLst>
               <a:ext uri="{FF2B5EF4-FFF2-40B4-BE49-F238E27FC236}">
-                <a16:creationId xmlns:a16="http://schemas.microsoft.com/office/drawing/2014/main" id="{4DDFB484-6FB9-3040-93DA-0FEAB41582E8}"/>
+                <a16:creationId xmlns:a16="http://schemas.microsoft.com/office/drawing/2014/main" id="{331402BC-0072-B446-BF78-96BCE1CC3079}"/>
               </a:ext>
             </a:extLst>
           </p:cNvPr>
@@ -5742,163 +5737,75 @@
         </p:nvSpPr>
         <p:spPr/>
         <p:txBody>
-          <a:bodyPr/>
-          <a:lstStyle/>
-          <a:p>
-            <a:r>
-              <a:rPr lang="en-US" dirty="0"/>
-              <a:t>An element can have attributes that complete the design of the element like:</a:t>
-            </a:r>
-          </a:p>
-          <a:p>
-            <a:pPr lvl="1"/>
-            <a:r>
-              <a:rPr lang="en-US" dirty="0"/>
-              <a:t>&lt;a </a:t>
-            </a:r>
-            <a:r>
-              <a:rPr lang="en-US" b="1" dirty="0" err="1">
-                <a:solidFill>
-                  <a:srgbClr val="FF85FF"/>
-                </a:solidFill>
-              </a:rPr>
-              <a:t>href</a:t>
-            </a:r>
-            <a:r>
-              <a:rPr lang="en-US" dirty="0"/>
-              <a:t>=</a:t>
-            </a:r>
-            <a:r>
-              <a:rPr lang="en-US" dirty="0">
-                <a:hlinkClick r:id="rId2"/>
-              </a:rPr>
-              <a:t>https://www.cnn.com</a:t>
-            </a:r>
-            <a:r>
-              <a:rPr lang="en-US" dirty="0"/>
-              <a:t>&gt;Click me to go to CNN&lt;/a&gt;</a:t>
-            </a:r>
-          </a:p>
-          <a:p>
-            <a:pPr lvl="1"/>
-            <a:r>
-              <a:rPr lang="en-US" dirty="0"/>
+          <a:bodyPr>
+            <a:normAutofit/>
+          </a:bodyPr>
+          <a:lstStyle/>
+          <a:p>
+            <a:r>
+              <a:rPr lang="en-US" sz="2400" dirty="0"/>
               <a:t>&lt;</a:t>
             </a:r>
             <a:r>
-              <a:rPr lang="en-US" dirty="0" err="1"/>
+              <a:rPr lang="en-US" sz="2400" dirty="0" err="1"/>
+              <a:t>br</a:t>
+            </a:r>
+            <a:r>
+              <a:rPr lang="en-US" sz="2400" dirty="0"/>
+              <a:t>&gt;			//	adds a new line</a:t>
+            </a:r>
+          </a:p>
+          <a:p>
+            <a:r>
+              <a:rPr lang="en-US" sz="2400" dirty="0"/>
+              <a:t>&lt;</a:t>
+            </a:r>
+            <a:r>
+              <a:rPr lang="en-US" sz="2400" dirty="0" err="1"/>
+              <a:t>hr</a:t>
+            </a:r>
+            <a:r>
+              <a:rPr lang="en-US" sz="2400" dirty="0"/>
+              <a:t>&gt;			//	horizontal line</a:t>
+            </a:r>
+          </a:p>
+          <a:p>
+            <a:r>
+              <a:rPr lang="en-US" sz="2400" dirty="0"/>
+              <a:t>&lt;</a:t>
+            </a:r>
+            <a:r>
+              <a:rPr lang="en-US" sz="2400" dirty="0" err="1"/>
               <a:t>img</a:t>
             </a:r>
             <a:r>
-              <a:rPr lang="en-US" dirty="0"/>
+              <a:rPr lang="en-US" sz="2400" dirty="0"/>
               <a:t> </a:t>
             </a:r>
             <a:r>
-              <a:rPr lang="en-US" b="1" dirty="0" err="1">
-                <a:solidFill>
-                  <a:srgbClr val="FF85FF"/>
-                </a:solidFill>
-              </a:rPr>
+              <a:rPr lang="en-US" sz="2400" dirty="0" err="1"/>
               <a:t>src</a:t>
             </a:r>
             <a:r>
-              <a:rPr lang="en-US" dirty="0"/>
-              <a:t>=“\images\</a:t>
-            </a:r>
-            <a:r>
-              <a:rPr lang="en-US" dirty="0" err="1"/>
-              <a:t>UNT.jpg</a:t>
-            </a:r>
-            <a:r>
-              <a:rPr lang="en-US" dirty="0"/>
-              <a:t>” </a:t>
-            </a:r>
-            <a:r>
-              <a:rPr lang="en-US" b="1" dirty="0">
-                <a:solidFill>
-                  <a:srgbClr val="FF85FF"/>
-                </a:solidFill>
-              </a:rPr>
-              <a:t>width</a:t>
-            </a:r>
-            <a:r>
-              <a:rPr lang="en-US" dirty="0"/>
-              <a:t>=”100px” </a:t>
-            </a:r>
-            <a:r>
-              <a:rPr lang="en-US" b="1" dirty="0">
-                <a:solidFill>
-                  <a:srgbClr val="FF85FF"/>
-                </a:solidFill>
-              </a:rPr>
-              <a:t>height</a:t>
-            </a:r>
-            <a:r>
-              <a:rPr lang="en-US" dirty="0"/>
-              <a:t>=“80px”&gt;</a:t>
-            </a:r>
-          </a:p>
-          <a:p>
-            <a:pPr lvl="1"/>
-            <a:r>
-              <a:rPr lang="en-US" dirty="0"/>
-              <a:t>&lt;input </a:t>
-            </a:r>
-            <a:r>
-              <a:rPr lang="en-US" b="1" dirty="0">
-                <a:solidFill>
-                  <a:srgbClr val="FF85FF"/>
-                </a:solidFill>
-              </a:rPr>
-              <a:t>type</a:t>
-            </a:r>
-            <a:r>
-              <a:rPr lang="en-US" dirty="0"/>
-              <a:t>=“number” </a:t>
-            </a:r>
-            <a:r>
-              <a:rPr lang="en-US" b="1" dirty="0">
-                <a:solidFill>
-                  <a:srgbClr val="FF85FF"/>
-                </a:solidFill>
-              </a:rPr>
-              <a:t>min</a:t>
-            </a:r>
-            <a:r>
-              <a:rPr lang="en-US" dirty="0"/>
-              <a:t>=“-10” </a:t>
-            </a:r>
-            <a:r>
-              <a:rPr lang="en-US" b="1" dirty="0">
-                <a:solidFill>
-                  <a:srgbClr val="FF85FF"/>
-                </a:solidFill>
-              </a:rPr>
-              <a:t>max</a:t>
-            </a:r>
-            <a:r>
-              <a:rPr lang="en-US" dirty="0"/>
-              <a:t>=“20” </a:t>
-            </a:r>
-            <a:r>
-              <a:rPr lang="en-US" b="1" dirty="0">
-                <a:solidFill>
-                  <a:srgbClr val="FF85FF"/>
-                </a:solidFill>
-              </a:rPr>
-              <a:t>step</a:t>
-            </a:r>
-            <a:r>
-              <a:rPr lang="en-US" dirty="0"/>
-              <a:t>=“7”&gt;</a:t>
-            </a:r>
+              <a:rPr lang="en-US" sz="2400" dirty="0"/>
+              <a:t>=“…..”&gt;		//	image</a:t>
+            </a:r>
+          </a:p>
+          <a:p>
+            <a:r>
+              <a:rPr lang="en-US" sz="2400" dirty="0"/>
+              <a:t>&lt;input type=“text”&gt;	//	input field</a:t>
+            </a:r>
+          </a:p>
+          <a:p>
+            <a:endParaRPr lang="en-US" sz="2400" dirty="0"/>
           </a:p>
         </p:txBody>
       </p:sp>
     </p:spTree>
     <p:extLst>
       <p:ext uri="{BB962C8B-B14F-4D97-AF65-F5344CB8AC3E}">
-        <p14:creationId xmlns:p14="http://schemas.microsoft.com/office/powerpoint/2010/main" val="3971860534"/>
+        <p14:creationId xmlns:p14="http://schemas.microsoft.com/office/powerpoint/2010/main" val="3289139823"/>
       </p:ext>
     </p:extLst>
   </p:cSld>
@@ -5930,7 +5837,7 @@
           <p:cNvPr id="2" name="Title 1">
             <a:extLst>
               <a:ext uri="{FF2B5EF4-FFF2-40B4-BE49-F238E27FC236}">
-                <a16:creationId xmlns:a16="http://schemas.microsoft.com/office/drawing/2014/main" id="{F29EB37B-9597-D54B-AF3F-0E1B05DCCBDC}"/>
+                <a16:creationId xmlns:a16="http://schemas.microsoft.com/office/drawing/2014/main" id="{C533F2D1-3C5E-C94C-8C01-8C593A34F60A}"/>
               </a:ext>
             </a:extLst>
           </p:cNvPr>
@@ -5948,20 +5855,8 @@
           <a:p>
             <a:r>
               <a:rPr lang="en-US" dirty="0"/>
-              <a:t>Tables</a:t>
-            </a:r>
-            <a:br>
-              <a:rPr lang="en-US" dirty="0"/>
-            </a:br>
-            <a:r>
-              <a:rPr lang="en-US" sz="2400" dirty="0"/>
-              <a:t>Tables-</a:t>
-            </a:r>
-            <a:r>
-              <a:rPr lang="en-US" sz="2400" dirty="0" err="1"/>
-              <a:t>Books.html</a:t>
-            </a:r>
-            <a:endParaRPr lang="en-US" sz="2400" dirty="0"/>
+              <a:t>Attributes</a:t>
+            </a:r>
           </a:p>
         </p:txBody>
       </p:sp>
@@ -5970,7 +5865,7 @@
           <p:cNvPr id="3" name="Content Placeholder 2">
             <a:extLst>
               <a:ext uri="{FF2B5EF4-FFF2-40B4-BE49-F238E27FC236}">
-                <a16:creationId xmlns:a16="http://schemas.microsoft.com/office/drawing/2014/main" id="{1CFAD527-39A4-B34C-8B1E-F8D34956E794}"/>
+                <a16:creationId xmlns:a16="http://schemas.microsoft.com/office/drawing/2014/main" id="{4DDFB484-6FB9-3040-93DA-0FEAB41582E8}"/>
               </a:ext>
             </a:extLst>
           </p:cNvPr>
@@ -5988,63 +5883,150 @@
           <a:p>
             <a:r>
               <a:rPr lang="en-US" dirty="0"/>
-              <a:t>TABLE</a:t>
+              <a:t>An element can have attributes that complete the design of the element like:</a:t>
             </a:r>
           </a:p>
           <a:p>
             <a:pPr lvl="1"/>
             <a:r>
               <a:rPr lang="en-US" dirty="0"/>
-              <a:t>CAPTION</a:t>
+              <a:t>&lt;a </a:t>
+            </a:r>
+            <a:r>
+              <a:rPr lang="en-US" b="1" dirty="0" err="1">
+                <a:solidFill>
+                  <a:srgbClr val="FF85FF"/>
+                </a:solidFill>
+              </a:rPr>
+              <a:t>href</a:t>
+            </a:r>
+            <a:r>
+              <a:rPr lang="en-US" dirty="0"/>
+              <a:t>=</a:t>
+            </a:r>
+            <a:r>
+              <a:rPr lang="en-US" dirty="0">
+                <a:hlinkClick r:id="rId2"/>
+              </a:rPr>
+              <a:t>https://www.cnn.com</a:t>
+            </a:r>
+            <a:r>
+              <a:rPr lang="en-US" dirty="0"/>
+              <a:t>&gt;Click me to go to CNN&lt;/a&gt;</a:t>
             </a:r>
           </a:p>
           <a:p>
             <a:pPr lvl="1"/>
             <a:r>
               <a:rPr lang="en-US" dirty="0"/>
-              <a:t>THEAD</a:t>
-            </a:r>
-          </a:p>
-          <a:p>
-            <a:pPr lvl="2"/>
-            <a:r>
-              <a:rPr lang="en-US" dirty="0"/>
-              <a:t>TR</a:t>
-            </a:r>
-          </a:p>
-          <a:p>
-            <a:pPr lvl="3"/>
-            <a:r>
-              <a:rPr lang="en-US" dirty="0"/>
-              <a:t>TH</a:t>
+              <a:t>&lt;</a:t>
+            </a:r>
+            <a:r>
+              <a:rPr lang="en-US" dirty="0" err="1"/>
+              <a:t>img</a:t>
+            </a:r>
+            <a:r>
+              <a:rPr lang="en-US" dirty="0"/>
+              <a:t> </a:t>
+            </a:r>
+            <a:r>
+              <a:rPr lang="en-US" b="1" dirty="0" err="1">
+                <a:solidFill>
+                  <a:srgbClr val="FF85FF"/>
+                </a:solidFill>
+              </a:rPr>
+              <a:t>src</a:t>
+            </a:r>
+            <a:r>
+              <a:rPr lang="en-US" dirty="0"/>
+              <a:t>=“\images\</a:t>
+            </a:r>
+            <a:r>
+              <a:rPr lang="en-US" dirty="0" err="1"/>
+              <a:t>UNT.jpg</a:t>
+            </a:r>
+            <a:r>
+              <a:rPr lang="en-US" dirty="0"/>
+              <a:t>” </a:t>
+            </a:r>
+            <a:r>
+              <a:rPr lang="en-US" b="1" dirty="0">
+                <a:solidFill>
+                  <a:srgbClr val="FF85FF"/>
+                </a:solidFill>
+              </a:rPr>
+              <a:t>width</a:t>
+            </a:r>
+            <a:r>
+              <a:rPr lang="en-US" dirty="0"/>
+              <a:t>=”100px” </a:t>
+            </a:r>
+            <a:r>
+              <a:rPr lang="en-US" b="1" dirty="0">
+                <a:solidFill>
+                  <a:srgbClr val="FF85FF"/>
+                </a:solidFill>
+              </a:rPr>
+              <a:t>height</a:t>
+            </a:r>
+            <a:r>
+              <a:rPr lang="en-US" dirty="0"/>
+              <a:t>=“80px”&gt;</a:t>
             </a:r>
           </a:p>
           <a:p>
             <a:pPr lvl="1"/>
             <a:r>
               <a:rPr lang="en-US" dirty="0"/>
-              <a:t>TBODY</a:t>
-            </a:r>
-          </a:p>
-          <a:p>
-            <a:pPr lvl="2"/>
-            <a:r>
-              <a:rPr lang="en-US" dirty="0"/>
-              <a:t>TR</a:t>
-            </a:r>
-          </a:p>
-          <a:p>
-            <a:pPr lvl="3"/>
-            <a:r>
-              <a:rPr lang="en-US" dirty="0"/>
-              <a:t>TD</a:t>
-            </a:r>
-          </a:p>
-          <a:p>
-            <a:pPr lvl="1"/>
-            <a:r>
-              <a:rPr lang="en-US" dirty="0"/>
-              <a:t>TFOOTER…</a:t>
+              <a:t>&lt;input </a:t>
+            </a:r>
+            <a:r>
+              <a:rPr lang="en-US" b="1" dirty="0">
+                <a:solidFill>
+                  <a:srgbClr val="FF85FF"/>
+                </a:solidFill>
+              </a:rPr>
+              <a:t>type</a:t>
+            </a:r>
+            <a:r>
+              <a:rPr lang="en-US" dirty="0"/>
+              <a:t>=“number” </a:t>
+            </a:r>
+            <a:r>
+              <a:rPr lang="en-US" b="1" dirty="0">
+                <a:solidFill>
+                  <a:srgbClr val="FF85FF"/>
+                </a:solidFill>
+              </a:rPr>
+              <a:t>min</a:t>
+            </a:r>
+            <a:r>
+              <a:rPr lang="en-US" dirty="0"/>
+              <a:t>=“-10” </a:t>
+            </a:r>
+            <a:r>
+              <a:rPr lang="en-US" b="1" dirty="0">
+                <a:solidFill>
+                  <a:srgbClr val="FF85FF"/>
+                </a:solidFill>
+              </a:rPr>
+              <a:t>max</a:t>
+            </a:r>
+            <a:r>
+              <a:rPr lang="en-US" dirty="0"/>
+              <a:t>=“20” </a:t>
+            </a:r>
+            <a:r>
+              <a:rPr lang="en-US" b="1" dirty="0">
+                <a:solidFill>
+                  <a:srgbClr val="FF85FF"/>
+                </a:solidFill>
+              </a:rPr>
+              <a:t>step</a:t>
+            </a:r>
+            <a:r>
+              <a:rPr lang="en-US" dirty="0"/>
+              <a:t>=“7”&gt;</a:t>
             </a:r>
           </a:p>
         </p:txBody>
@@ -6052,7 +6034,7 @@
     </p:spTree>
     <p:extLst>
       <p:ext uri="{BB962C8B-B14F-4D97-AF65-F5344CB8AC3E}">
-        <p14:creationId xmlns:p14="http://schemas.microsoft.com/office/powerpoint/2010/main" val="1046315600"/>
+        <p14:creationId xmlns:p14="http://schemas.microsoft.com/office/powerpoint/2010/main" val="3971860534"/>
       </p:ext>
     </p:extLst>
   </p:cSld>
@@ -6084,7 +6066,7 @@
           <p:cNvPr id="2" name="Title 1">
             <a:extLst>
               <a:ext uri="{FF2B5EF4-FFF2-40B4-BE49-F238E27FC236}">
-                <a16:creationId xmlns:a16="http://schemas.microsoft.com/office/drawing/2014/main" id="{598434D7-A459-884A-A67C-0DC6C1F9A8E9}"/>
+                <a16:creationId xmlns:a16="http://schemas.microsoft.com/office/drawing/2014/main" id="{F29EB37B-9597-D54B-AF3F-0E1B05DCCBDC}"/>
               </a:ext>
             </a:extLst>
           </p:cNvPr>
@@ -6102,16 +6084,20 @@
           <a:p>
             <a:r>
               <a:rPr lang="en-US" dirty="0"/>
-              <a:t>Image element</a:t>
+              <a:t>Tables</a:t>
             </a:r>
             <a:br>
               <a:rPr lang="en-US" dirty="0"/>
             </a:br>
             <a:r>
               <a:rPr lang="en-US" sz="2400" dirty="0"/>
-              <a:t>and its associated attributes</a:t>
-            </a:r>
-            <a:endParaRPr lang="en-US" dirty="0"/>
+              <a:t>Tables-</a:t>
+            </a:r>
+            <a:r>
+              <a:rPr lang="en-US" sz="2400" dirty="0" err="1"/>
+              <a:t>Books.html</a:t>
+            </a:r>
+            <a:endParaRPr lang="en-US" sz="2400" dirty="0"/>
           </a:p>
         </p:txBody>
       </p:sp>
@@ -6120,7 +6106,7 @@
           <p:cNvPr id="3" name="Content Placeholder 2">
             <a:extLst>
               <a:ext uri="{FF2B5EF4-FFF2-40B4-BE49-F238E27FC236}">
-                <a16:creationId xmlns:a16="http://schemas.microsoft.com/office/drawing/2014/main" id="{43B5A488-5E7E-A242-ABE4-33A045FDDDA7}"/>
+                <a16:creationId xmlns:a16="http://schemas.microsoft.com/office/drawing/2014/main" id="{1CFAD527-39A4-B34C-8B1E-F8D34956E794}"/>
               </a:ext>
             </a:extLst>
           </p:cNvPr>
@@ -6131,155 +6117,90 @@
             <p:ph idx="1"/>
           </p:nvPr>
         </p:nvSpPr>
-        <p:spPr>
-          <a:xfrm>
-            <a:off x="1920240" y="2052116"/>
-            <a:ext cx="8649899" cy="3997828"/>
-          </a:xfrm>
-        </p:spPr>
+        <p:spPr/>
         <p:txBody>
           <a:bodyPr/>
           <a:lstStyle/>
           <a:p>
             <a:r>
               <a:rPr lang="en-US" dirty="0"/>
-              <a:t>&lt;</a:t>
-            </a:r>
-            <a:r>
-              <a:rPr lang="en-US" dirty="0" err="1"/>
-              <a:t>img</a:t>
-            </a:r>
-            <a:r>
-              <a:rPr lang="en-US" dirty="0"/>
-              <a:t> </a:t>
-            </a:r>
-            <a:r>
-              <a:rPr lang="en-US" dirty="0">
-                <a:solidFill>
-                  <a:srgbClr val="FF85FF"/>
-                </a:solidFill>
-              </a:rPr>
-              <a:t>alt</a:t>
-            </a:r>
-            <a:r>
-              <a:rPr lang="en-US" dirty="0"/>
-              <a:t>="" </a:t>
-            </a:r>
-            <a:r>
-              <a:rPr lang="en-US" dirty="0" err="1">
-                <a:solidFill>
-                  <a:srgbClr val="FF85FF"/>
-                </a:solidFill>
-              </a:rPr>
-              <a:t>src</a:t>
-            </a:r>
-            <a:r>
-              <a:rPr lang="en-US" dirty="0"/>
-              <a:t>="images/Shang-</a:t>
-            </a:r>
-            <a:r>
-              <a:rPr lang="en-US" dirty="0" err="1"/>
-              <a:t>Chi.gif</a:t>
-            </a:r>
-            <a:r>
-              <a:rPr lang="en-US" dirty="0"/>
-              <a:t>" </a:t>
-            </a:r>
-            <a:r>
-              <a:rPr lang="en-US" dirty="0">
-                <a:solidFill>
-                  <a:srgbClr val="FF85FF"/>
-                </a:solidFill>
-              </a:rPr>
-              <a:t>width</a:t>
-            </a:r>
-            <a:r>
-              <a:rPr lang="en-US" dirty="0"/>
-              <a:t>="67px" </a:t>
-            </a:r>
-            <a:r>
-              <a:rPr lang="en-US" dirty="0">
-                <a:solidFill>
-                  <a:srgbClr val="FF85FF"/>
-                </a:solidFill>
-              </a:rPr>
-              <a:t>height</a:t>
-            </a:r>
-            <a:r>
-              <a:rPr lang="en-US" dirty="0"/>
-              <a:t>="100px"&gt;</a:t>
+              <a:t>TABLE</a:t>
             </a:r>
           </a:p>
           <a:p>
             <a:pPr lvl="1"/>
             <a:r>
-              <a:rPr lang="en-US" dirty="0">
-                <a:solidFill>
-                  <a:srgbClr val="FF85FF"/>
-                </a:solidFill>
-              </a:rPr>
-              <a:t>alt</a:t>
-            </a:r>
-            <a:r>
-              <a:rPr lang="en-US" dirty="0"/>
-              <a:t>	required. Text description for the visually impaired</a:t>
+              <a:rPr lang="en-US" dirty="0"/>
+              <a:t>CAPTION</a:t>
             </a:r>
           </a:p>
           <a:p>
             <a:pPr lvl="1"/>
             <a:r>
-              <a:rPr lang="en-US" dirty="0" err="1">
-                <a:solidFill>
-                  <a:srgbClr val="FF85FF"/>
-                </a:solidFill>
-              </a:rPr>
-              <a:t>src</a:t>
-            </a:r>
-            <a:r>
-              <a:rPr lang="en-US" dirty="0"/>
-              <a:t>	wouldn’t be much of an image without an image</a:t>
+              <a:rPr lang="en-US" dirty="0"/>
+              <a:t>THEAD</a:t>
+            </a:r>
+          </a:p>
+          <a:p>
+            <a:pPr lvl="2"/>
+            <a:r>
+              <a:rPr lang="en-US" dirty="0"/>
+              <a:t>TR</a:t>
+            </a:r>
+          </a:p>
+          <a:p>
+            <a:pPr lvl="3"/>
+            <a:r>
+              <a:rPr lang="en-US" b="1" dirty="0">
+                <a:solidFill>
+                  <a:schemeClr val="tx2">
+                    <a:lumMod val="50000"/>
+                  </a:schemeClr>
+                </a:solidFill>
+              </a:rPr>
+              <a:t>TH</a:t>
             </a:r>
           </a:p>
           <a:p>
             <a:pPr lvl="1"/>
             <a:r>
-              <a:rPr lang="en-US" dirty="0">
-                <a:solidFill>
-                  <a:srgbClr val="FF85FF"/>
-                </a:solidFill>
-              </a:rPr>
-              <a:t>width</a:t>
-            </a:r>
-            <a:r>
-              <a:rPr lang="en-US" dirty="0"/>
-              <a:t>	reformats the image to fit the design of your page</a:t>
+              <a:rPr lang="en-US" dirty="0"/>
+              <a:t>TBODY</a:t>
+            </a:r>
+          </a:p>
+          <a:p>
+            <a:pPr lvl="2"/>
+            <a:r>
+              <a:rPr lang="en-US" dirty="0"/>
+              <a:t>TR</a:t>
+            </a:r>
+          </a:p>
+          <a:p>
+            <a:pPr lvl="3"/>
+            <a:r>
+              <a:rPr lang="en-US" b="1" dirty="0">
+                <a:solidFill>
+                  <a:schemeClr val="tx2">
+                    <a:lumMod val="50000"/>
+                  </a:schemeClr>
+                </a:solidFill>
+              </a:rPr>
+              <a:t>TD</a:t>
             </a:r>
           </a:p>
           <a:p>
             <a:pPr lvl="1"/>
             <a:r>
-              <a:rPr lang="en-US" dirty="0">
-                <a:solidFill>
-                  <a:srgbClr val="FF85FF"/>
-                </a:solidFill>
-              </a:rPr>
-              <a:t>height</a:t>
-            </a:r>
-            <a:r>
-              <a:rPr lang="en-US" dirty="0"/>
-              <a:t>	size can be % or px</a:t>
-            </a:r>
-            <a:br>
-              <a:rPr lang="en-US" dirty="0"/>
-            </a:br>
-            <a:endParaRPr lang="en-US" dirty="0"/>
+              <a:rPr lang="en-US" dirty="0"/>
+              <a:t>TFOOTER…</a:t>
+            </a:r>
           </a:p>
         </p:txBody>
       </p:sp>
     </p:spTree>
     <p:extLst>
       <p:ext uri="{BB962C8B-B14F-4D97-AF65-F5344CB8AC3E}">
-        <p14:creationId xmlns:p14="http://schemas.microsoft.com/office/powerpoint/2010/main" val="1007833178"/>
+        <p14:creationId xmlns:p14="http://schemas.microsoft.com/office/powerpoint/2010/main" val="1046315600"/>
       </p:ext>
     </p:extLst>
   </p:cSld>
@@ -6329,7 +6250,7 @@
           <a:p>
             <a:r>
               <a:rPr lang="en-US" dirty="0"/>
-              <a:t>Anchor element</a:t>
+              <a:t>Image element</a:t>
             </a:r>
             <a:br>
               <a:rPr lang="en-US" dirty="0"/>
@@ -6361,45 +6282,16 @@
         <p:spPr>
           <a:xfrm>
             <a:off x="1920240" y="2052116"/>
-            <a:ext cx="9201150" cy="3997828"/>
+            <a:ext cx="8649899" cy="3997828"/>
           </a:xfrm>
         </p:spPr>
         <p:txBody>
-          <a:bodyPr>
-            <a:normAutofit/>
-          </a:bodyPr>
-          <a:lstStyle/>
-          <a:p>
-            <a:r>
-              <a:rPr lang="en-US" dirty="0"/>
-              <a:t>&lt;a </a:t>
-            </a:r>
-            <a:r>
-              <a:rPr lang="en-US" b="1" dirty="0" err="1">
-                <a:solidFill>
-                  <a:srgbClr val="FF85FF"/>
-                </a:solidFill>
-              </a:rPr>
-              <a:t>href</a:t>
-            </a:r>
-            <a:r>
-              <a:rPr lang="en-US" dirty="0"/>
-              <a:t>="https://</a:t>
-            </a:r>
-            <a:r>
-              <a:rPr lang="en-US" dirty="0" err="1"/>
-              <a:t>www.imdb.com</a:t>
-            </a:r>
-            <a:r>
-              <a:rPr lang="en-US" dirty="0"/>
-              <a:t>/title/tt0096639"&gt;</a:t>
-            </a:r>
-            <a:br>
-              <a:rPr lang="en-US" dirty="0"/>
-            </a:br>
-            <a:r>
-              <a:rPr lang="en-US" dirty="0"/>
-              <a:t>    &lt;</a:t>
+          <a:bodyPr/>
+          <a:lstStyle/>
+          <a:p>
+            <a:r>
+              <a:rPr lang="en-US" dirty="0"/>
+              <a:t>&lt;</a:t>
             </a:r>
             <a:r>
               <a:rPr lang="en-US" dirty="0" err="1"/>
@@ -6410,20 +6302,32 @@
               <a:t> </a:t>
             </a:r>
             <a:r>
+              <a:rPr lang="en-US" dirty="0">
+                <a:solidFill>
+                  <a:srgbClr val="FF85FF"/>
+                </a:solidFill>
+              </a:rPr>
+              <a:t>alt</a:t>
+            </a:r>
+            <a:r>
+              <a:rPr lang="en-US" dirty="0"/>
+              <a:t>="" </a:t>
+            </a:r>
+            <a:r>
               <a:rPr lang="en-US" dirty="0" err="1">
                 <a:solidFill>
-                  <a:srgbClr val="00B050"/>
+                  <a:srgbClr val="FF85FF"/>
                 </a:solidFill>
               </a:rPr>
               <a:t>src</a:t>
             </a:r>
             <a:r>
               <a:rPr lang="en-US" dirty="0"/>
-              <a:t>="images/Lonesome </a:t>
+              <a:t>="images/Shang-</a:t>
             </a:r>
             <a:r>
               <a:rPr lang="en-US" dirty="0" err="1"/>
-              <a:t>Dove.jpg</a:t>
+              <a:t>Chi.gif</a:t>
             </a:r>
             <a:r>
               <a:rPr lang="en-US" dirty="0"/>
@@ -6432,114 +6336,90 @@
             <a:r>
               <a:rPr lang="en-US" dirty="0">
                 <a:solidFill>
-                  <a:srgbClr val="00B050"/>
+                  <a:srgbClr val="FF85FF"/>
                 </a:solidFill>
               </a:rPr>
               <a:t>width</a:t>
             </a:r>
             <a:r>
               <a:rPr lang="en-US" dirty="0"/>
-              <a:t>="136px" </a:t>
-            </a:r>
-            <a:r>
-              <a:rPr lang="en-US" dirty="0">
-                <a:solidFill>
-                  <a:srgbClr val="00B050"/>
+              <a:t>="67px" </a:t>
+            </a:r>
+            <a:r>
+              <a:rPr lang="en-US" dirty="0">
+                <a:solidFill>
+                  <a:srgbClr val="FF85FF"/>
                 </a:solidFill>
               </a:rPr>
               <a:t>height</a:t>
             </a:r>
             <a:r>
               <a:rPr lang="en-US" dirty="0"/>
-              <a:t>="201px"&gt;</a:t>
+              <a:t>="100px"&gt;</a:t>
+            </a:r>
+          </a:p>
+          <a:p>
+            <a:pPr lvl="1"/>
+            <a:r>
+              <a:rPr lang="en-US" dirty="0">
+                <a:solidFill>
+                  <a:srgbClr val="FF85FF"/>
+                </a:solidFill>
+              </a:rPr>
+              <a:t>alt</a:t>
+            </a:r>
+            <a:r>
+              <a:rPr lang="en-US" dirty="0"/>
+              <a:t>	required. Text description for the visually impaired</a:t>
+            </a:r>
+          </a:p>
+          <a:p>
+            <a:pPr lvl="1"/>
+            <a:r>
+              <a:rPr lang="en-US" dirty="0" err="1">
+                <a:solidFill>
+                  <a:srgbClr val="FF85FF"/>
+                </a:solidFill>
+              </a:rPr>
+              <a:t>src</a:t>
+            </a:r>
+            <a:r>
+              <a:rPr lang="en-US" dirty="0"/>
+              <a:t>	wouldn’t be much of an image without an image</a:t>
+            </a:r>
+          </a:p>
+          <a:p>
+            <a:pPr lvl="1"/>
+            <a:r>
+              <a:rPr lang="en-US" dirty="0">
+                <a:solidFill>
+                  <a:srgbClr val="FF85FF"/>
+                </a:solidFill>
+              </a:rPr>
+              <a:t>width</a:t>
+            </a:r>
+            <a:r>
+              <a:rPr lang="en-US" dirty="0"/>
+              <a:t>	reformats the image to fit the design of your page</a:t>
+            </a:r>
+          </a:p>
+          <a:p>
+            <a:pPr lvl="1"/>
+            <a:r>
+              <a:rPr lang="en-US" dirty="0">
+                <a:solidFill>
+                  <a:srgbClr val="FF85FF"/>
+                </a:solidFill>
+              </a:rPr>
+              <a:t>height</a:t>
+            </a:r>
+            <a:r>
+              <a:rPr lang="en-US" dirty="0"/>
+              <a:t>	size can be % or px</a:t>
             </a:r>
             <a:br>
               <a:rPr lang="en-US" dirty="0"/>
             </a:br>
-            <a:r>
-              <a:rPr lang="en-US" dirty="0"/>
-              <a:t>&lt;/a&gt;</a:t>
-            </a:r>
-          </a:p>
-          <a:p>
-            <a:pPr lvl="1"/>
-            <a:r>
-              <a:rPr lang="en-US" dirty="0" err="1">
-                <a:solidFill>
-                  <a:srgbClr val="FF85FF"/>
-                </a:solidFill>
-              </a:rPr>
-              <a:t>href</a:t>
-            </a:r>
-            <a:r>
-              <a:rPr lang="en-US" dirty="0"/>
-              <a:t>	the hypertext </a:t>
-            </a:r>
-            <a:r>
-              <a:rPr lang="en-US" dirty="0" err="1"/>
-              <a:t>refenece</a:t>
-            </a:r>
-            <a:r>
-              <a:rPr lang="en-US" dirty="0"/>
-              <a:t> to another page</a:t>
-            </a:r>
-          </a:p>
-          <a:p>
-            <a:pPr lvl="1"/>
-            <a:r>
-              <a:rPr lang="en-US" dirty="0"/>
-              <a:t>Anything in the </a:t>
-            </a:r>
-            <a:r>
-              <a:rPr lang="en-US" dirty="0" err="1"/>
-              <a:t>innerHTML</a:t>
-            </a:r>
-            <a:r>
-              <a:rPr lang="en-US" dirty="0"/>
-              <a:t> is clickable</a:t>
-            </a:r>
-          </a:p>
-          <a:p>
-            <a:r>
-              <a:rPr lang="en-US" dirty="0"/>
-              <a:t>&lt;a </a:t>
-            </a:r>
-            <a:r>
-              <a:rPr lang="en-US" b="1" dirty="0" err="1">
-                <a:solidFill>
-                  <a:srgbClr val="FF85FF"/>
-                </a:solidFill>
-              </a:rPr>
-              <a:t>href</a:t>
-            </a:r>
-            <a:r>
-              <a:rPr lang="en-US" dirty="0"/>
-              <a:t>="https://</a:t>
-            </a:r>
-            <a:r>
-              <a:rPr lang="en-US" dirty="0" err="1"/>
-              <a:t>www.imdb.com</a:t>
-            </a:r>
-            <a:r>
-              <a:rPr lang="en-US" dirty="0"/>
-              <a:t>/title/tt0096639"&gt;</a:t>
-            </a:r>
-            <a:br>
-              <a:rPr lang="en-US" dirty="0"/>
-            </a:br>
-            <a:r>
-              <a:rPr lang="en-US" dirty="0"/>
-              <a:t>	Take me to IMDb for Lonesome Dove</a:t>
-            </a:r>
-            <a:br>
-              <a:rPr lang="en-US" dirty="0"/>
-            </a:br>
-            <a:r>
-              <a:rPr lang="en-US" dirty="0"/>
-              <a:t>&lt;/a&gt;</a:t>
-            </a:r>
-          </a:p>
-          <a:p>
             <a:endParaRPr lang="en-US" dirty="0"/>
           </a:p>
         </p:txBody>
@@ -6547,7 +6427,7 @@
     </p:spTree>
     <p:extLst>
       <p:ext uri="{BB962C8B-B14F-4D97-AF65-F5344CB8AC3E}">
-        <p14:creationId xmlns:p14="http://schemas.microsoft.com/office/powerpoint/2010/main" val="2684232465"/>
+        <p14:creationId xmlns:p14="http://schemas.microsoft.com/office/powerpoint/2010/main" val="1007833178"/>
       </p:ext>
     </p:extLst>
   </p:cSld>
@@ -6579,7 +6459,7 @@
           <p:cNvPr id="2" name="Title 1">
             <a:extLst>
               <a:ext uri="{FF2B5EF4-FFF2-40B4-BE49-F238E27FC236}">
-                <a16:creationId xmlns:a16="http://schemas.microsoft.com/office/drawing/2014/main" id="{43FFD51D-2F93-E744-A0EF-0BA421E33E30}"/>
+                <a16:creationId xmlns:a16="http://schemas.microsoft.com/office/drawing/2014/main" id="{598434D7-A459-884A-A67C-0DC6C1F9A8E9}"/>
               </a:ext>
             </a:extLst>
           </p:cNvPr>
@@ -6597,32 +6477,16 @@
           <a:p>
             <a:r>
               <a:rPr lang="en-US" dirty="0"/>
-              <a:t>Form Elements</a:t>
+              <a:t>Anchor element</a:t>
             </a:r>
             <a:br>
               <a:rPr lang="en-US" dirty="0"/>
             </a:br>
             <a:r>
-              <a:rPr lang="en-US" sz="2400" dirty="0">
-                <a:solidFill>
-                  <a:srgbClr val="FF85FF"/>
-                </a:solidFill>
-              </a:rPr>
-              <a:t>Form-Intro and Form-</a:t>
-            </a:r>
-            <a:r>
-              <a:rPr lang="en-US" sz="2400" dirty="0" err="1">
-                <a:solidFill>
-                  <a:srgbClr val="FF85FF"/>
-                </a:solidFill>
-              </a:rPr>
-              <a:t>Checkout.html</a:t>
-            </a:r>
-            <a:endParaRPr lang="en-US" sz="2400" dirty="0">
-              <a:solidFill>
-                <a:srgbClr val="FF85FF"/>
-              </a:solidFill>
-            </a:endParaRPr>
+              <a:rPr lang="en-US" sz="2400" dirty="0"/>
+              <a:t>and its associated attributes</a:t>
+            </a:r>
+            <a:endParaRPr lang="en-US" dirty="0"/>
           </a:p>
         </p:txBody>
       </p:sp>
@@ -6631,7 +6495,7 @@
           <p:cNvPr id="3" name="Content Placeholder 2">
             <a:extLst>
               <a:ext uri="{FF2B5EF4-FFF2-40B4-BE49-F238E27FC236}">
-                <a16:creationId xmlns:a16="http://schemas.microsoft.com/office/drawing/2014/main" id="{AFB437DB-7B04-5F40-BEFF-F5F7ACCAC075}"/>
+                <a16:creationId xmlns:a16="http://schemas.microsoft.com/office/drawing/2014/main" id="{43B5A488-5E7E-A242-ABE4-33A045FDDDA7}"/>
               </a:ext>
             </a:extLst>
           </p:cNvPr>
@@ -6642,76 +6506,185 @@
             <p:ph idx="1"/>
           </p:nvPr>
         </p:nvSpPr>
-        <p:spPr/>
+        <p:spPr>
+          <a:xfrm>
+            <a:off x="1920240" y="2052116"/>
+            <a:ext cx="9201150" cy="3997828"/>
+          </a:xfrm>
+        </p:spPr>
         <p:txBody>
           <a:bodyPr>
-            <a:normAutofit fontScale="85000" lnSpcReduction="20000"/>
+            <a:normAutofit/>
           </a:bodyPr>
           <a:lstStyle/>
           <a:p>
             <a:r>
               <a:rPr lang="en-US" dirty="0"/>
-              <a:t>Form		specifies how the form data will be submitted</a:t>
-            </a:r>
-          </a:p>
-          <a:p>
+              <a:t>&lt;a </a:t>
+            </a:r>
+            <a:r>
+              <a:rPr lang="en-US" b="1" dirty="0" err="1">
+                <a:solidFill>
+                  <a:srgbClr val="FF85FF"/>
+                </a:solidFill>
+              </a:rPr>
+              <a:t>href</a:t>
+            </a:r>
+            <a:r>
+              <a:rPr lang="en-US" dirty="0"/>
+              <a:t>="https://</a:t>
+            </a:r>
             <a:r>
               <a:rPr lang="en-US" dirty="0" err="1"/>
-              <a:t>Fieldset</a:t>
-            </a:r>
-            <a:r>
-              <a:rPr lang="en-US" dirty="0"/>
-              <a:t>	puts a border around the fields in the form</a:t>
-            </a:r>
-          </a:p>
-          <a:p>
-            <a:r>
-              <a:rPr lang="en-US" dirty="0"/>
-              <a:t>Legend	adds a text string to the border</a:t>
-            </a:r>
-          </a:p>
-          <a:p>
-            <a:r>
-              <a:rPr lang="en-US" dirty="0"/>
-              <a:t>Input		entry field – lots of types. Input gets its own page</a:t>
-            </a:r>
-          </a:p>
-          <a:p>
-            <a:r>
-              <a:rPr lang="en-US" dirty="0"/>
-              <a:t>Label	text before the input field. Click on the text focus goes to the input field</a:t>
-            </a:r>
-          </a:p>
-          <a:p>
-            <a:r>
-              <a:rPr lang="en-US" dirty="0"/>
-              <a:t>Select	Drop down list</a:t>
-            </a:r>
-          </a:p>
-          <a:p>
+              <a:t>www.imdb.com</a:t>
+            </a:r>
+            <a:r>
+              <a:rPr lang="en-US" dirty="0"/>
+              <a:t>/title/tt0096639"&gt;</a:t>
+            </a:r>
+            <a:br>
+              <a:rPr lang="en-US" dirty="0"/>
+            </a:br>
+            <a:r>
+              <a:rPr lang="en-US" dirty="0"/>
+              <a:t>    &lt;</a:t>
+            </a:r>
             <a:r>
               <a:rPr lang="en-US" dirty="0" err="1"/>
-              <a:t>Textarea</a:t>
-            </a:r>
-            <a:r>
-              <a:rPr lang="en-US" dirty="0"/>
-              <a:t>	when you post a comment this is a text area element</a:t>
-            </a:r>
-          </a:p>
-          <a:p>
-            <a:r>
-              <a:rPr lang="en-US" dirty="0"/>
-              <a:t>Button	button</a:t>
-            </a:r>
-          </a:p>
-          <a:p>
+              <a:t>img</a:t>
+            </a:r>
+            <a:r>
+              <a:rPr lang="en-US" dirty="0"/>
+              <a:t> </a:t>
+            </a:r>
+            <a:r>
+              <a:rPr lang="en-US" dirty="0" err="1">
+                <a:solidFill>
+                  <a:srgbClr val="00B050"/>
+                </a:solidFill>
+              </a:rPr>
+              <a:t>src</a:t>
+            </a:r>
+            <a:r>
+              <a:rPr lang="en-US" dirty="0"/>
+              <a:t>="images/Lonesome </a:t>
+            </a:r>
             <a:r>
               <a:rPr lang="en-US" dirty="0" err="1"/>
-              <a:t>Datalist</a:t>
-            </a:r>
-            <a:r>
-              <a:rPr lang="en-US" dirty="0"/>
-              <a:t>	limits what can be entered into an input field</a:t>
+              <a:t>Dove.jpg</a:t>
+            </a:r>
+            <a:r>
+              <a:rPr lang="en-US" dirty="0"/>
+              <a:t>" </a:t>
+            </a:r>
+            <a:r>
+              <a:rPr lang="en-US" dirty="0">
+                <a:solidFill>
+                  <a:srgbClr val="00B050"/>
+                </a:solidFill>
+              </a:rPr>
+              <a:t>width</a:t>
+            </a:r>
+            <a:r>
+              <a:rPr lang="en-US" dirty="0"/>
+              <a:t>="136px" </a:t>
+            </a:r>
+            <a:r>
+              <a:rPr lang="en-US" dirty="0">
+                <a:solidFill>
+                  <a:srgbClr val="00B050"/>
+                </a:solidFill>
+              </a:rPr>
+              <a:t>height</a:t>
+            </a:r>
+            <a:r>
+              <a:rPr lang="en-US" dirty="0"/>
+              <a:t>="201px"&gt;</a:t>
+            </a:r>
+            <a:br>
+              <a:rPr lang="en-US" dirty="0"/>
+            </a:br>
+            <a:r>
+              <a:rPr lang="en-US" dirty="0"/>
+              <a:t>&lt;/a&gt;</a:t>
+            </a:r>
+          </a:p>
+          <a:p>
+            <a:pPr lvl="1"/>
+            <a:r>
+              <a:rPr lang="en-US" dirty="0" err="1">
+                <a:solidFill>
+                  <a:srgbClr val="FF85FF"/>
+                </a:solidFill>
+              </a:rPr>
+              <a:t>href</a:t>
+            </a:r>
+            <a:r>
+              <a:rPr lang="en-US" dirty="0"/>
+              <a:t>	the hypertext </a:t>
+            </a:r>
+            <a:r>
+              <a:rPr lang="en-US" dirty="0" err="1"/>
+              <a:t>refenece</a:t>
+            </a:r>
+            <a:r>
+              <a:rPr lang="en-US" dirty="0"/>
+              <a:t> to another page</a:t>
+            </a:r>
+          </a:p>
+          <a:p>
+            <a:pPr lvl="1"/>
+            <a:r>
+              <a:rPr lang="en-US" dirty="0"/>
+              <a:t>Anything in the </a:t>
+            </a:r>
+            <a:r>
+              <a:rPr lang="en-US" dirty="0" err="1"/>
+              <a:t>innerHTML</a:t>
+            </a:r>
+            <a:r>
+              <a:rPr lang="en-US" dirty="0"/>
+              <a:t> is clickable</a:t>
+            </a:r>
+          </a:p>
+          <a:p>
+            <a:r>
+              <a:rPr lang="en-US" dirty="0"/>
+              <a:t>&lt;a </a:t>
+            </a:r>
+            <a:r>
+              <a:rPr lang="en-US" b="1" dirty="0" err="1">
+                <a:solidFill>
+                  <a:srgbClr val="FF85FF"/>
+                </a:solidFill>
+              </a:rPr>
+              <a:t>href</a:t>
+            </a:r>
+            <a:r>
+              <a:rPr lang="en-US" dirty="0"/>
+              <a:t>="https://</a:t>
+            </a:r>
+            <a:r>
+              <a:rPr lang="en-US" dirty="0" err="1"/>
+              <a:t>www.imdb.com</a:t>
+            </a:r>
+            <a:r>
+              <a:rPr lang="en-US" dirty="0"/>
+              <a:t>/title/tt0096639"&gt;</a:t>
+            </a:r>
+            <a:br>
+              <a:rPr lang="en-US" dirty="0"/>
+            </a:br>
+            <a:r>
+              <a:rPr lang="en-US" dirty="0"/>
+              <a:t>	Take me to IMDb for Lonesome Dove</a:t>
+            </a:r>
+            <a:br>
+              <a:rPr lang="en-US" dirty="0"/>
+            </a:br>
+            <a:r>
+              <a:rPr lang="en-US" dirty="0"/>
+              <a:t>&lt;/a&gt;</a:t>
             </a:r>
           </a:p>
           <a:p>
@@ -6722,7 +6695,7 @@
     </p:spTree>
     <p:extLst>
       <p:ext uri="{BB962C8B-B14F-4D97-AF65-F5344CB8AC3E}">
-        <p14:creationId xmlns:p14="http://schemas.microsoft.com/office/powerpoint/2010/main" val="1608752891"/>
+        <p14:creationId xmlns:p14="http://schemas.microsoft.com/office/powerpoint/2010/main" val="2684232465"/>
       </p:ext>
     </p:extLst>
   </p:cSld>
@@ -6754,7 +6727,7 @@
           <p:cNvPr id="2" name="Title 1">
             <a:extLst>
               <a:ext uri="{FF2B5EF4-FFF2-40B4-BE49-F238E27FC236}">
-                <a16:creationId xmlns:a16="http://schemas.microsoft.com/office/drawing/2014/main" id="{D1E649B4-5D91-A640-B5B3-95F486D1760E}"/>
+                <a16:creationId xmlns:a16="http://schemas.microsoft.com/office/drawing/2014/main" id="{43FFD51D-2F93-E744-A0EF-0BA421E33E30}"/>
               </a:ext>
             </a:extLst>
           </p:cNvPr>
@@ -6772,28 +6745,28 @@
           <a:p>
             <a:r>
               <a:rPr lang="en-US" dirty="0"/>
-              <a:t>Input types</a:t>
+              <a:t>Form Elements</a:t>
             </a:r>
             <a:br>
               <a:rPr lang="en-US" dirty="0"/>
             </a:br>
             <a:r>
-              <a:rPr lang="en-US" dirty="0">
+              <a:rPr lang="en-US" sz="2400" dirty="0">
                 <a:solidFill>
                   <a:srgbClr val="FF85FF"/>
                 </a:solidFill>
               </a:rPr>
-              <a:t>Form-</a:t>
-            </a:r>
-            <a:r>
-              <a:rPr lang="en-US" dirty="0" err="1">
+              <a:t>Form-Intro and Form-</a:t>
+            </a:r>
+            <a:r>
+              <a:rPr lang="en-US" sz="2400" dirty="0" err="1">
                 <a:solidFill>
                   <a:srgbClr val="FF85FF"/>
                 </a:solidFill>
               </a:rPr>
               <a:t>Checkout.html</a:t>
             </a:r>
-            <a:endParaRPr lang="en-US" dirty="0">
+            <a:endParaRPr lang="en-US" sz="2400" dirty="0">
               <a:solidFill>
                 <a:srgbClr val="FF85FF"/>
               </a:solidFill>
@@ -6806,7 +6779,7 @@
           <p:cNvPr id="3" name="Content Placeholder 2">
             <a:extLst>
               <a:ext uri="{FF2B5EF4-FFF2-40B4-BE49-F238E27FC236}">
-                <a16:creationId xmlns:a16="http://schemas.microsoft.com/office/drawing/2014/main" id="{B0F8DC63-393A-DE41-A92E-6DA48421A2A8}"/>
+                <a16:creationId xmlns:a16="http://schemas.microsoft.com/office/drawing/2014/main" id="{AFB437DB-7B04-5F40-BEFF-F5F7ACCAC075}"/>
               </a:ext>
             </a:extLst>
           </p:cNvPr>
@@ -6817,184 +6790,87 @@
             <p:ph idx="1"/>
           </p:nvPr>
         </p:nvSpPr>
-        <p:spPr>
-          <a:xfrm>
-            <a:off x="2773599" y="2052116"/>
-            <a:ext cx="7796540" cy="3832317"/>
-          </a:xfrm>
-        </p:spPr>
-        <p:txBody>
-          <a:bodyPr numCol="3">
-            <a:normAutofit fontScale="92500" lnSpcReduction="20000"/>
+        <p:spPr/>
+        <p:txBody>
+          <a:bodyPr>
+            <a:normAutofit fontScale="85000" lnSpcReduction="20000"/>
           </a:bodyPr>
           <a:lstStyle/>
           <a:p>
             <a:r>
-              <a:rPr lang="en-US" sz="1600" dirty="0"/>
-              <a:t>button</a:t>
-            </a:r>
-          </a:p>
-          <a:p>
-            <a:r>
-              <a:rPr lang="en-US" sz="1600" dirty="0"/>
-              <a:t>checkbox</a:t>
-            </a:r>
-          </a:p>
-          <a:p>
-            <a:r>
-              <a:rPr lang="en-US" sz="1600" dirty="0"/>
-              <a:t>color</a:t>
-            </a:r>
-          </a:p>
-          <a:p>
-            <a:r>
-              <a:rPr lang="en-US" sz="1600" dirty="0"/>
-              <a:t>date</a:t>
-            </a:r>
-          </a:p>
-          <a:p>
-            <a:r>
-              <a:rPr lang="en-US" sz="1600" dirty="0"/>
-              <a:t>email</a:t>
-            </a:r>
-          </a:p>
-          <a:p>
-            <a:r>
-              <a:rPr lang="en-US" sz="1600" dirty="0"/>
-              <a:t>file</a:t>
-            </a:r>
-          </a:p>
-          <a:p>
-            <a:r>
-              <a:rPr lang="en-US" sz="1600" dirty="0"/>
-              <a:t>hidden</a:t>
-            </a:r>
-          </a:p>
-          <a:p>
-            <a:endParaRPr lang="en-US" sz="1600" dirty="0"/>
-          </a:p>
-          <a:p>
-            <a:endParaRPr lang="en-US" sz="1600" dirty="0"/>
-          </a:p>
-          <a:p>
-            <a:endParaRPr lang="en-US" sz="1600" dirty="0"/>
-          </a:p>
-          <a:p>
-            <a:r>
-              <a:rPr lang="en-US" sz="1600" dirty="0"/>
-              <a:t>image </a:t>
-            </a:r>
-            <a:r>
-              <a:rPr lang="en-US" sz="1600" dirty="0" err="1"/>
-              <a:t>src</a:t>
-            </a:r>
-            <a:r>
-              <a:rPr lang="en-US" sz="1600" dirty="0"/>
-              <a:t>=“”</a:t>
-            </a:r>
-          </a:p>
-          <a:p>
-            <a:r>
-              <a:rPr lang="en-US" sz="1600" dirty="0"/>
-              <a:t>month</a:t>
-            </a:r>
-          </a:p>
-          <a:p>
-            <a:r>
-              <a:rPr lang="en-US" sz="1600" dirty="0"/>
-              <a:t>number </a:t>
-            </a:r>
-          </a:p>
-          <a:p>
-            <a:r>
-              <a:rPr lang="en-US" sz="1600" dirty="0"/>
-              <a:t>password </a:t>
-            </a:r>
-          </a:p>
-          <a:p>
-            <a:r>
-              <a:rPr lang="en-US" sz="1600" dirty="0"/>
-              <a:t>radio</a:t>
-            </a:r>
-          </a:p>
-          <a:p>
-            <a:r>
-              <a:rPr lang="en-US" sz="1600" dirty="0"/>
-              <a:t>range</a:t>
-            </a:r>
-          </a:p>
-          <a:p>
-            <a:endParaRPr lang="en-US" sz="1600" dirty="0"/>
-          </a:p>
-          <a:p>
-            <a:endParaRPr lang="en-US" sz="1600" dirty="0"/>
-          </a:p>
-          <a:p>
-            <a:endParaRPr lang="en-US" sz="1600" dirty="0"/>
-          </a:p>
-          <a:p>
-            <a:endParaRPr lang="en-US" sz="1600" dirty="0"/>
-          </a:p>
-          <a:p>
-            <a:r>
-              <a:rPr lang="en-US" sz="1600" dirty="0"/>
-              <a:t>reset</a:t>
-            </a:r>
-          </a:p>
-          <a:p>
-            <a:r>
-              <a:rPr lang="en-US" sz="1600" dirty="0"/>
-              <a:t>search</a:t>
-            </a:r>
-          </a:p>
-          <a:p>
-            <a:r>
-              <a:rPr lang="en-US" sz="1600" dirty="0"/>
-              <a:t>submit</a:t>
-            </a:r>
-          </a:p>
-          <a:p>
-            <a:r>
-              <a:rPr lang="en-US" sz="1600" dirty="0" err="1"/>
-              <a:t>tel</a:t>
-            </a:r>
-            <a:endParaRPr lang="en-US" sz="1600" dirty="0"/>
-          </a:p>
-          <a:p>
-            <a:r>
-              <a:rPr lang="en-US" sz="1600" dirty="0"/>
-              <a:t>Text (default value)</a:t>
-            </a:r>
-          </a:p>
-          <a:p>
-            <a:r>
-              <a:rPr lang="en-US" sz="1600" dirty="0"/>
-              <a:t>time</a:t>
-            </a:r>
-          </a:p>
-          <a:p>
-            <a:r>
-              <a:rPr lang="en-US" sz="1600" dirty="0" err="1"/>
-              <a:t>url</a:t>
-            </a:r>
-            <a:endParaRPr lang="en-US" sz="1600" dirty="0"/>
-          </a:p>
-          <a:p>
-            <a:r>
-              <a:rPr lang="en-US" sz="1600" dirty="0"/>
-              <a:t>week</a:t>
-            </a:r>
-            <a:br>
-              <a:rPr lang="en-US" sz="1600" dirty="0"/>
-            </a:br>
-            <a:endParaRPr lang="en-US" sz="1600" dirty="0"/>
+              <a:rPr lang="en-US" dirty="0"/>
+              <a:t>Form		specifies how the form data will be submitted</a:t>
+            </a:r>
+          </a:p>
+          <a:p>
+            <a:r>
+              <a:rPr lang="en-US" dirty="0" err="1"/>
+              <a:t>Fieldset</a:t>
+            </a:r>
+            <a:r>
+              <a:rPr lang="en-US" dirty="0"/>
+              <a:t>	puts a border around the fields in the form</a:t>
+            </a:r>
+          </a:p>
+          <a:p>
+            <a:r>
+              <a:rPr lang="en-US" dirty="0"/>
+              <a:t>Legend	adds a text string to the border</a:t>
+            </a:r>
+          </a:p>
+          <a:p>
+            <a:r>
+              <a:rPr lang="en-US" dirty="0"/>
+              <a:t>Input		entry field – lots of types. Input gets its own page</a:t>
+            </a:r>
+          </a:p>
+          <a:p>
+            <a:r>
+              <a:rPr lang="en-US" dirty="0"/>
+              <a:t>Label	text before the input field. Click on the text focus goes to the input field</a:t>
+            </a:r>
+          </a:p>
+          <a:p>
+            <a:r>
+              <a:rPr lang="en-US" dirty="0"/>
+              <a:t>Select	Drop down list</a:t>
+            </a:r>
+          </a:p>
+          <a:p>
+            <a:r>
+              <a:rPr lang="en-US" dirty="0" err="1"/>
+              <a:t>Textarea</a:t>
+            </a:r>
+            <a:r>
+              <a:rPr lang="en-US" dirty="0"/>
+              <a:t>	when you post a comment this is a text area element</a:t>
+            </a:r>
+          </a:p>
+          <a:p>
+            <a:r>
+              <a:rPr lang="en-US" dirty="0"/>
+              <a:t>Button	button</a:t>
+            </a:r>
+          </a:p>
+          <a:p>
+            <a:r>
+              <a:rPr lang="en-US" dirty="0" err="1"/>
+              <a:t>Datalist</a:t>
+            </a:r>
+            <a:r>
+              <a:rPr lang="en-US" dirty="0"/>
+              <a:t>	limits what can be entered into an input field</a:t>
+            </a:r>
+          </a:p>
+          <a:p>
+            <a:endParaRPr lang="en-US" dirty="0"/>
           </a:p>
         </p:txBody>
       </p:sp>
     </p:spTree>
     <p:extLst>
       <p:ext uri="{BB962C8B-B14F-4D97-AF65-F5344CB8AC3E}">
-        <p14:creationId xmlns:p14="http://schemas.microsoft.com/office/powerpoint/2010/main" val="2160937208"/>
+        <p14:creationId xmlns:p14="http://schemas.microsoft.com/office/powerpoint/2010/main" val="1608752891"/>
       </p:ext>
     </p:extLst>
   </p:cSld>
@@ -7073,38 +6949,66 @@
         </p:spPr>
         <p:txBody>
           <a:bodyPr>
-            <a:normAutofit lnSpcReduction="10000"/>
+            <a:normAutofit fontScale="85000" lnSpcReduction="20000"/>
           </a:bodyPr>
           <a:lstStyle/>
           <a:p>
             <a:r>
+              <a:rPr lang="en-US" dirty="0"/>
+              <a:t>HTML Examples</a:t>
+            </a:r>
+          </a:p>
+          <a:p>
+            <a:pPr lvl="1"/>
+            <a:r>
+              <a:rPr lang="en-US" dirty="0"/>
+              <a:t>Forms and Tables</a:t>
+            </a:r>
+          </a:p>
+          <a:p>
+            <a:pPr lvl="2"/>
+            <a:r>
+              <a:rPr lang="en-US" dirty="0">
+                <a:hlinkClick r:id="rId2"/>
+              </a:rPr>
+              <a:t>https://gist.github.com/gtjames/fc84b1e71fcc30a9a01115b4de27a3ee</a:t>
+            </a:r>
+            <a:endParaRPr lang="en-US" dirty="0"/>
+          </a:p>
+          <a:p>
+            <a:pPr lvl="1"/>
+            <a:r>
+              <a:rPr lang="en-US" dirty="0"/>
+              <a:t>Various HTML and </a:t>
+            </a:r>
+            <a:r>
               <a:rPr lang="en-US"/>
-              <a:t>HTML </a:t>
-            </a:r>
-            <a:r>
-              <a:rPr lang="en-US" dirty="0"/>
-              <a:t>Examples</a:t>
-            </a:r>
-          </a:p>
-          <a:p>
-            <a:pPr lvl="1"/>
-            <a:r>
-              <a:rPr lang="en-US" dirty="0">
-                <a:hlinkClick r:id="rId2"/>
-              </a:rPr>
-              <a:t>https://gist.github.com/gtjames/fc84b1e71fcc30a9a01115b4de27a3ee</a:t>
+              <a:t>CSS examples</a:t>
             </a:r>
             <a:endParaRPr lang="en-US" dirty="0"/>
           </a:p>
           <a:p>
-            <a:pPr lvl="1"/>
-            <a:r>
-              <a:rPr lang="en-US" dirty="0">
-                <a:hlinkClick r:id="rId3"/>
-              </a:rPr>
-              <a:t>https://github.com/gtjames/SD-101HTML/tree/master/Week%20HTML</a:t>
-            </a:r>
-            <a:endParaRPr lang="en-US" dirty="0"/>
+            <a:pPr lvl="2"/>
+            <a:r>
+              <a:rPr lang="en-US" dirty="0"/>
+              <a:t>https://</a:t>
+            </a:r>
+            <a:r>
+              <a:rPr lang="en-US" dirty="0" err="1"/>
+              <a:t>github.com</a:t>
+            </a:r>
+            <a:r>
+              <a:rPr lang="en-US" dirty="0"/>
+              <a:t>/</a:t>
+            </a:r>
+            <a:r>
+              <a:rPr lang="en-US" dirty="0" err="1"/>
+              <a:t>gtjames</a:t>
+            </a:r>
+            <a:r>
+              <a:rPr lang="en-US" dirty="0"/>
+              <a:t>/HTML-Basics</a:t>
+            </a:r>
           </a:p>
           <a:p>
             <a:endParaRPr lang="en-US" dirty="0"/>
@@ -7156,7 +7060,7 @@
             </a:pPr>
             <a:r>
               <a:rPr lang="en-US" dirty="0">
-                <a:hlinkClick r:id="rId4"/>
+                <a:hlinkClick r:id="rId3"/>
               </a:rPr>
               <a:t>https://www.w3schools.com/html/default.asp</a:t>
             </a:r>
@@ -7171,6 +7075,278 @@
     <p:extLst>
       <p:ext uri="{BB962C8B-B14F-4D97-AF65-F5344CB8AC3E}">
         <p14:creationId xmlns:p14="http://schemas.microsoft.com/office/powerpoint/2010/main" val="3634665224"/>
+      </p:ext>
+    </p:extLst>
+  </p:cSld>
+  <p:clrMapOvr>
+    <a:masterClrMapping/>
+  </p:clrMapOvr>
+</p:sld>
+</file>
+
+<file path=ppt/slides/slide20.xml><?xml version="1.0" encoding="utf-8"?>
+<p:sld xmlns:a="http://schemas.openxmlformats.org/drawingml/2006/main" xmlns:r="http://schemas.openxmlformats.org/officeDocument/2006/relationships" xmlns:p="http://schemas.openxmlformats.org/presentationml/2006/main">
+  <p:cSld>
+    <p:spTree>
+      <p:nvGrpSpPr>
+        <p:cNvPr id="1" name=""/>
+        <p:cNvGrpSpPr/>
+        <p:nvPr/>
+      </p:nvGrpSpPr>
+      <p:grpSpPr>
+        <a:xfrm>
+          <a:off x="0" y="0"/>
+          <a:ext cx="0" cy="0"/>
+          <a:chOff x="0" y="0"/>
+          <a:chExt cx="0" cy="0"/>
+        </a:xfrm>
+      </p:grpSpPr>
+      <p:sp>
+        <p:nvSpPr>
+          <p:cNvPr id="2" name="Title 1">
+            <a:extLst>
+              <a:ext uri="{FF2B5EF4-FFF2-40B4-BE49-F238E27FC236}">
+                <a16:creationId xmlns:a16="http://schemas.microsoft.com/office/drawing/2014/main" id="{D1E649B4-5D91-A640-B5B3-95F486D1760E}"/>
+              </a:ext>
+            </a:extLst>
+          </p:cNvPr>
+          <p:cNvSpPr>
+            <a:spLocks noGrp="1"/>
+          </p:cNvSpPr>
+          <p:nvPr>
+            <p:ph type="title"/>
+          </p:nvPr>
+        </p:nvSpPr>
+        <p:spPr/>
+        <p:txBody>
+          <a:bodyPr/>
+          <a:lstStyle/>
+          <a:p>
+            <a:r>
+              <a:rPr lang="en-US" dirty="0"/>
+              <a:t>Input types</a:t>
+            </a:r>
+            <a:br>
+              <a:rPr lang="en-US" dirty="0"/>
+            </a:br>
+            <a:r>
+              <a:rPr lang="en-US" dirty="0">
+                <a:solidFill>
+                  <a:srgbClr val="FF85FF"/>
+                </a:solidFill>
+              </a:rPr>
+              <a:t>Form-</a:t>
+            </a:r>
+            <a:r>
+              <a:rPr lang="en-US" dirty="0" err="1">
+                <a:solidFill>
+                  <a:srgbClr val="FF85FF"/>
+                </a:solidFill>
+              </a:rPr>
+              <a:t>Checkout.html</a:t>
+            </a:r>
+            <a:endParaRPr lang="en-US" dirty="0">
+              <a:solidFill>
+                <a:srgbClr val="FF85FF"/>
+              </a:solidFill>
+            </a:endParaRPr>
+          </a:p>
+        </p:txBody>
+      </p:sp>
+      <p:sp>
+        <p:nvSpPr>
+          <p:cNvPr id="3" name="Content Placeholder 2">
+            <a:extLst>
+              <a:ext uri="{FF2B5EF4-FFF2-40B4-BE49-F238E27FC236}">
+                <a16:creationId xmlns:a16="http://schemas.microsoft.com/office/drawing/2014/main" id="{B0F8DC63-393A-DE41-A92E-6DA48421A2A8}"/>
+              </a:ext>
+            </a:extLst>
+          </p:cNvPr>
+          <p:cNvSpPr>
+            <a:spLocks noGrp="1"/>
+          </p:cNvSpPr>
+          <p:nvPr>
+            <p:ph idx="1"/>
+          </p:nvPr>
+        </p:nvSpPr>
+        <p:spPr>
+          <a:xfrm>
+            <a:off x="2773599" y="2052116"/>
+            <a:ext cx="7796540" cy="3832317"/>
+          </a:xfrm>
+        </p:spPr>
+        <p:txBody>
+          <a:bodyPr numCol="3">
+            <a:normAutofit fontScale="92500" lnSpcReduction="20000"/>
+          </a:bodyPr>
+          <a:lstStyle/>
+          <a:p>
+            <a:r>
+              <a:rPr lang="en-US" sz="1600" dirty="0"/>
+              <a:t>button</a:t>
+            </a:r>
+          </a:p>
+          <a:p>
+            <a:r>
+              <a:rPr lang="en-US" sz="1600" dirty="0"/>
+              <a:t>checkbox</a:t>
+            </a:r>
+          </a:p>
+          <a:p>
+            <a:r>
+              <a:rPr lang="en-US" sz="1600" dirty="0"/>
+              <a:t>color</a:t>
+            </a:r>
+          </a:p>
+          <a:p>
+            <a:r>
+              <a:rPr lang="en-US" sz="1600" dirty="0"/>
+              <a:t>date</a:t>
+            </a:r>
+          </a:p>
+          <a:p>
+            <a:r>
+              <a:rPr lang="en-US" sz="1600" dirty="0"/>
+              <a:t>email</a:t>
+            </a:r>
+          </a:p>
+          <a:p>
+            <a:r>
+              <a:rPr lang="en-US" sz="1600" dirty="0"/>
+              <a:t>file</a:t>
+            </a:r>
+          </a:p>
+          <a:p>
+            <a:r>
+              <a:rPr lang="en-US" sz="1600" dirty="0"/>
+              <a:t>hidden</a:t>
+            </a:r>
+          </a:p>
+          <a:p>
+            <a:endParaRPr lang="en-US" sz="1600" dirty="0"/>
+          </a:p>
+          <a:p>
+            <a:endParaRPr lang="en-US" sz="1600" dirty="0"/>
+          </a:p>
+          <a:p>
+            <a:endParaRPr lang="en-US" sz="1600" dirty="0"/>
+          </a:p>
+          <a:p>
+            <a:r>
+              <a:rPr lang="en-US" sz="1600" dirty="0"/>
+              <a:t>image </a:t>
+            </a:r>
+            <a:r>
+              <a:rPr lang="en-US" sz="1600" dirty="0" err="1"/>
+              <a:t>src</a:t>
+            </a:r>
+            <a:r>
+              <a:rPr lang="en-US" sz="1600" dirty="0"/>
+              <a:t>=“”</a:t>
+            </a:r>
+          </a:p>
+          <a:p>
+            <a:r>
+              <a:rPr lang="en-US" sz="1600" dirty="0"/>
+              <a:t>month</a:t>
+            </a:r>
+          </a:p>
+          <a:p>
+            <a:r>
+              <a:rPr lang="en-US" sz="1600" dirty="0"/>
+              <a:t>number </a:t>
+            </a:r>
+          </a:p>
+          <a:p>
+            <a:r>
+              <a:rPr lang="en-US" sz="1600" dirty="0"/>
+              <a:t>password </a:t>
+            </a:r>
+          </a:p>
+          <a:p>
+            <a:r>
+              <a:rPr lang="en-US" sz="1600" dirty="0"/>
+              <a:t>radio</a:t>
+            </a:r>
+          </a:p>
+          <a:p>
+            <a:r>
+              <a:rPr lang="en-US" sz="1600" dirty="0"/>
+              <a:t>range</a:t>
+            </a:r>
+          </a:p>
+          <a:p>
+            <a:endParaRPr lang="en-US" sz="1600" dirty="0"/>
+          </a:p>
+          <a:p>
+            <a:endParaRPr lang="en-US" sz="1600" dirty="0"/>
+          </a:p>
+          <a:p>
+            <a:endParaRPr lang="en-US" sz="1600" dirty="0"/>
+          </a:p>
+          <a:p>
+            <a:endParaRPr lang="en-US" sz="1600" dirty="0"/>
+          </a:p>
+          <a:p>
+            <a:r>
+              <a:rPr lang="en-US" sz="1600" dirty="0"/>
+              <a:t>reset</a:t>
+            </a:r>
+          </a:p>
+          <a:p>
+            <a:r>
+              <a:rPr lang="en-US" sz="1600" dirty="0"/>
+              <a:t>search</a:t>
+            </a:r>
+          </a:p>
+          <a:p>
+            <a:r>
+              <a:rPr lang="en-US" sz="1600" dirty="0"/>
+              <a:t>submit</a:t>
+            </a:r>
+          </a:p>
+          <a:p>
+            <a:r>
+              <a:rPr lang="en-US" sz="1600" dirty="0" err="1"/>
+              <a:t>tel</a:t>
+            </a:r>
+            <a:endParaRPr lang="en-US" sz="1600" dirty="0"/>
+          </a:p>
+          <a:p>
+            <a:r>
+              <a:rPr lang="en-US" sz="1600" dirty="0"/>
+              <a:t>Text (default value)</a:t>
+            </a:r>
+          </a:p>
+          <a:p>
+            <a:r>
+              <a:rPr lang="en-US" sz="1600" dirty="0"/>
+              <a:t>time</a:t>
+            </a:r>
+          </a:p>
+          <a:p>
+            <a:r>
+              <a:rPr lang="en-US" sz="1600" dirty="0" err="1"/>
+              <a:t>url</a:t>
+            </a:r>
+            <a:endParaRPr lang="en-US" sz="1600" dirty="0"/>
+          </a:p>
+          <a:p>
+            <a:r>
+              <a:rPr lang="en-US" sz="1600" dirty="0"/>
+              <a:t>week</a:t>
+            </a:r>
+            <a:br>
+              <a:rPr lang="en-US" sz="1600" dirty="0"/>
+            </a:br>
+            <a:endParaRPr lang="en-US" sz="1600" dirty="0"/>
+          </a:p>
+        </p:txBody>
+      </p:sp>
+    </p:spTree>
+    <p:extLst>
+      <p:ext uri="{BB962C8B-B14F-4D97-AF65-F5344CB8AC3E}">
+        <p14:creationId xmlns:p14="http://schemas.microsoft.com/office/powerpoint/2010/main" val="2160937208"/>
       </p:ext>
     </p:extLst>
   </p:cSld>
@@ -8703,7 +8879,7 @@
             </a:br>
             <a:r>
               <a:rPr lang="en-US" sz="2000" dirty="0"/>
-              <a:t>without styling they to nothing</a:t>
+              <a:t>without styling they do nothing</a:t>
             </a:r>
             <a:endParaRPr lang="en-US" sz="3200" dirty="0"/>
           </a:p>
@@ -8728,7 +8904,7 @@
         <p:spPr/>
         <p:txBody>
           <a:bodyPr>
-            <a:normAutofit fontScale="70000" lnSpcReduction="20000"/>
+            <a:normAutofit/>
           </a:bodyPr>
           <a:lstStyle/>
           <a:p>
@@ -8806,49 +8982,6 @@
               <a:rPr lang="en-US" dirty="0"/>
               <a:t>Whatever goes inside the tags will be on the same line</a:t>
             </a:r>
-          </a:p>
-          <a:p>
-            <a:r>
-              <a:rPr lang="en-US" b="1" dirty="0">
-                <a:solidFill>
-                  <a:schemeClr val="tx2">
-                    <a:lumMod val="75000"/>
-                  </a:schemeClr>
-                </a:solidFill>
-              </a:rPr>
-              <a:t>&lt;aside&gt;	just like the other guys	&lt;/aside&gt;</a:t>
-            </a:r>
-          </a:p>
-          <a:p>
-            <a:pPr lvl="1"/>
-            <a:r>
-              <a:rPr lang="en-US" dirty="0"/>
-              <a:t>Defines content aside from the content it is placed in.</a:t>
-            </a:r>
-          </a:p>
-          <a:p>
-            <a:pPr lvl="1"/>
-            <a:r>
-              <a:rPr lang="en-US" dirty="0"/>
-              <a:t>Should be indirectly related to the surrounding content.</a:t>
-            </a:r>
-          </a:p>
-          <a:p>
-            <a:pPr lvl="1"/>
-            <a:r>
-              <a:rPr lang="en-US" dirty="0"/>
-              <a:t>The &lt;aside&gt; content is often placed as a sidebar in a document.</a:t>
-            </a:r>
-          </a:p>
-          <a:p>
-            <a:pPr lvl="1"/>
-            <a:r>
-              <a:rPr lang="en-US" dirty="0"/>
-              <a:t>Does not render as anything special in a browser. Use CSS for styling</a:t>
-            </a:r>
-          </a:p>
-          <a:p>
-            <a:endParaRPr lang="en-US" dirty="0"/>
           </a:p>
         </p:txBody>
       </p:sp>
